--- a/csc402-ln006.pptx
+++ b/csc402-ln006.pptx
@@ -250,14 +250,14 @@
               <ma14:placeholderFlag xmlns:ma14="http://schemas.microsoft.com/office/mac/drawingml/2011/main" val="1"/>
             </a:ext>
             <a:ext uri="{909E8E84-426E-40dd-AFC4-6F175D3DCCD1}">
-              <a14:hiddenFill xmlns:a14="http://schemas.microsoft.com/office/drawing/2010/main" xmlns="">
+              <a14:hiddenFill xmlns="" xmlns:a14="http://schemas.microsoft.com/office/drawing/2010/main">
                 <a:solidFill>
                   <a:schemeClr val="accent1"/>
                 </a:solidFill>
               </a14:hiddenFill>
             </a:ext>
             <a:ext uri="{91240B29-F687-4f45-9708-019B960494DF}">
-              <a14:hiddenLine xmlns:a14="http://schemas.microsoft.com/office/drawing/2010/main" xmlns="" w="9525">
+              <a14:hiddenLine xmlns="" xmlns:a14="http://schemas.microsoft.com/office/drawing/2010/main" w="9525">
                 <a:solidFill>
                   <a:schemeClr val="tx1"/>
                 </a:solidFill>
@@ -311,14 +311,14 @@
               <ma14:placeholderFlag xmlns:ma14="http://schemas.microsoft.com/office/mac/drawingml/2011/main" val="1"/>
             </a:ext>
             <a:ext uri="{909E8E84-426E-40dd-AFC4-6F175D3DCCD1}">
-              <a14:hiddenFill xmlns:a14="http://schemas.microsoft.com/office/drawing/2010/main" xmlns="">
+              <a14:hiddenFill xmlns="" xmlns:a14="http://schemas.microsoft.com/office/drawing/2010/main">
                 <a:solidFill>
                   <a:schemeClr val="accent1"/>
                 </a:solidFill>
               </a14:hiddenFill>
             </a:ext>
             <a:ext uri="{91240B29-F687-4f45-9708-019B960494DF}">
-              <a14:hiddenLine xmlns:a14="http://schemas.microsoft.com/office/drawing/2010/main" xmlns="" w="9525">
+              <a14:hiddenLine xmlns="" xmlns:a14="http://schemas.microsoft.com/office/drawing/2010/main" w="9525">
                 <a:solidFill>
                   <a:schemeClr val="tx1"/>
                 </a:solidFill>
@@ -375,7 +375,7 @@
           <a:effectLst/>
           <a:extLst>
             <a:ext uri="{AF507438-7753-43e0-B8FC-AC1667EBCBE1}">
-              <a14:hiddenEffects xmlns:a14="http://schemas.microsoft.com/office/drawing/2010/main" xmlns="">
+              <a14:hiddenEffects xmlns="" xmlns:a14="http://schemas.microsoft.com/office/drawing/2010/main">
                 <a:effectLst>
                   <a:outerShdw blurRad="63500" dist="38099" dir="2700000" algn="ctr" rotWithShape="0">
                     <a:srgbClr val="000000">
@@ -386,7 +386,7 @@
               </a14:hiddenEffects>
             </a:ext>
             <a:ext uri="{53640926-AAD7-44d8-BBD7-CCE9431645EC}">
-              <a14:shadowObscured xmlns:a14="http://schemas.microsoft.com/office/drawing/2010/main" xmlns="" val="1"/>
+              <a14:shadowObscured xmlns="" xmlns:a14="http://schemas.microsoft.com/office/drawing/2010/main" val="1"/>
             </a:ext>
           </a:extLst>
         </p:spPr>
@@ -418,14 +418,14 @@
               <ma14:placeholderFlag xmlns:ma14="http://schemas.microsoft.com/office/mac/drawingml/2011/main" val="1"/>
             </a:ext>
             <a:ext uri="{909E8E84-426E-40dd-AFC4-6F175D3DCCD1}">
-              <a14:hiddenFill xmlns:a14="http://schemas.microsoft.com/office/drawing/2010/main" xmlns="">
+              <a14:hiddenFill xmlns="" xmlns:a14="http://schemas.microsoft.com/office/drawing/2010/main">
                 <a:solidFill>
                   <a:schemeClr val="accent1"/>
                 </a:solidFill>
               </a14:hiddenFill>
             </a:ext>
             <a:ext uri="{91240B29-F687-4f45-9708-019B960494DF}">
-              <a14:hiddenLine xmlns:a14="http://schemas.microsoft.com/office/drawing/2010/main" xmlns="" w="9525">
+              <a14:hiddenLine xmlns="" xmlns:a14="http://schemas.microsoft.com/office/drawing/2010/main" w="9525">
                 <a:solidFill>
                   <a:schemeClr val="tx1"/>
                 </a:solidFill>
@@ -507,14 +507,14 @@
               <ma14:placeholderFlag xmlns:ma14="http://schemas.microsoft.com/office/mac/drawingml/2011/main" val="1"/>
             </a:ext>
             <a:ext uri="{909E8E84-426E-40dd-AFC4-6F175D3DCCD1}">
-              <a14:hiddenFill xmlns:a14="http://schemas.microsoft.com/office/drawing/2010/main" xmlns="">
+              <a14:hiddenFill xmlns="" xmlns:a14="http://schemas.microsoft.com/office/drawing/2010/main">
                 <a:solidFill>
                   <a:schemeClr val="accent1"/>
                 </a:solidFill>
               </a14:hiddenFill>
             </a:ext>
             <a:ext uri="{91240B29-F687-4f45-9708-019B960494DF}">
-              <a14:hiddenLine xmlns:a14="http://schemas.microsoft.com/office/drawing/2010/main" xmlns="" w="9525">
+              <a14:hiddenLine xmlns="" xmlns:a14="http://schemas.microsoft.com/office/drawing/2010/main" w="9525">
                 <a:solidFill>
                   <a:schemeClr val="tx1"/>
                 </a:solidFill>
@@ -568,14 +568,14 @@
               <ma14:placeholderFlag xmlns:ma14="http://schemas.microsoft.com/office/mac/drawingml/2011/main" val="1"/>
             </a:ext>
             <a:ext uri="{909E8E84-426E-40dd-AFC4-6F175D3DCCD1}">
-              <a14:hiddenFill xmlns:a14="http://schemas.microsoft.com/office/drawing/2010/main" xmlns="">
+              <a14:hiddenFill xmlns="" xmlns:a14="http://schemas.microsoft.com/office/drawing/2010/main">
                 <a:solidFill>
                   <a:schemeClr val="accent1"/>
                 </a:solidFill>
               </a14:hiddenFill>
             </a:ext>
             <a:ext uri="{91240B29-F687-4f45-9708-019B960494DF}">
-              <a14:hiddenLine xmlns:a14="http://schemas.microsoft.com/office/drawing/2010/main" xmlns="" w="9525">
+              <a14:hiddenLine xmlns="" xmlns:a14="http://schemas.microsoft.com/office/drawing/2010/main" w="9525">
                 <a:solidFill>
                   <a:schemeClr val="tx1"/>
                 </a:solidFill>
@@ -1663,12 +1663,12 @@
           <a:effectLst/>
           <a:extLst>
             <a:ext uri="{909E8E84-426E-40dd-AFC4-6F175D3DCCD1}">
-              <a14:hiddenFill xmlns:a14="http://schemas.microsoft.com/office/drawing/2010/main" xmlns="">
+              <a14:hiddenFill xmlns="" xmlns:a14="http://schemas.microsoft.com/office/drawing/2010/main">
                 <a:noFill/>
               </a14:hiddenFill>
             </a:ext>
             <a:ext uri="{AF507438-7753-43e0-B8FC-AC1667EBCBE1}">
-              <a14:hiddenEffects xmlns:a14="http://schemas.microsoft.com/office/drawing/2010/main" xmlns="">
+              <a14:hiddenEffects xmlns="" xmlns:a14="http://schemas.microsoft.com/office/drawing/2010/main">
                 <a:effectLst>
                   <a:outerShdw blurRad="63500" dist="38099" dir="2700000" algn="ctr" rotWithShape="0">
                     <a:schemeClr val="bg2">
@@ -1869,7 +1869,7 @@
             <a:effectLst/>
             <a:extLst>
               <a:ext uri="{91240B29-F687-4f45-9708-019B960494DF}">
-                <a14:hiddenLine xmlns:a14="http://schemas.microsoft.com/office/drawing/2010/main" xmlns="" w="9525">
+                <a14:hiddenLine xmlns="" xmlns:a14="http://schemas.microsoft.com/office/drawing/2010/main" w="9525">
                   <a:solidFill>
                     <a:schemeClr val="tx1"/>
                   </a:solidFill>
@@ -1879,7 +1879,7 @@
                 </a14:hiddenLine>
               </a:ext>
               <a:ext uri="{AF507438-7753-43e0-B8FC-AC1667EBCBE1}">
-                <a14:hiddenEffects xmlns:a14="http://schemas.microsoft.com/office/drawing/2010/main" xmlns="">
+                <a14:hiddenEffects xmlns="" xmlns:a14="http://schemas.microsoft.com/office/drawing/2010/main">
                   <a:effectLst>
                     <a:outerShdw blurRad="63500" dist="38099" dir="2700000" algn="ctr" rotWithShape="0">
                       <a:schemeClr val="bg2">
@@ -1924,7 +1924,7 @@
             <a:effectLst/>
             <a:extLst>
               <a:ext uri="{91240B29-F687-4f45-9708-019B960494DF}">
-                <a14:hiddenLine xmlns:a14="http://schemas.microsoft.com/office/drawing/2010/main" xmlns="" w="9525">
+                <a14:hiddenLine xmlns="" xmlns:a14="http://schemas.microsoft.com/office/drawing/2010/main" w="9525">
                   <a:solidFill>
                     <a:schemeClr val="tx1"/>
                   </a:solidFill>
@@ -1934,7 +1934,7 @@
                 </a14:hiddenLine>
               </a:ext>
               <a:ext uri="{AF507438-7753-43e0-B8FC-AC1667EBCBE1}">
-                <a14:hiddenEffects xmlns:a14="http://schemas.microsoft.com/office/drawing/2010/main" xmlns="">
+                <a14:hiddenEffects xmlns="" xmlns:a14="http://schemas.microsoft.com/office/drawing/2010/main">
                   <a:effectLst>
                     <a:outerShdw blurRad="63500" dist="38099" dir="2700000" algn="ctr" rotWithShape="0">
                       <a:schemeClr val="bg2">
@@ -1979,7 +1979,7 @@
             <a:effectLst/>
             <a:extLst>
               <a:ext uri="{91240B29-F687-4f45-9708-019B960494DF}">
-                <a14:hiddenLine xmlns:a14="http://schemas.microsoft.com/office/drawing/2010/main" xmlns="" w="9525">
+                <a14:hiddenLine xmlns="" xmlns:a14="http://schemas.microsoft.com/office/drawing/2010/main" w="9525">
                   <a:solidFill>
                     <a:schemeClr val="tx1"/>
                   </a:solidFill>
@@ -1989,7 +1989,7 @@
                 </a14:hiddenLine>
               </a:ext>
               <a:ext uri="{AF507438-7753-43e0-B8FC-AC1667EBCBE1}">
-                <a14:hiddenEffects xmlns:a14="http://schemas.microsoft.com/office/drawing/2010/main" xmlns="">
+                <a14:hiddenEffects xmlns="" xmlns:a14="http://schemas.microsoft.com/office/drawing/2010/main">
                   <a:effectLst>
                     <a:outerShdw blurRad="63500" dist="38099" dir="2700000" algn="ctr" rotWithShape="0">
                       <a:schemeClr val="bg2">
@@ -2034,7 +2034,7 @@
             <a:effectLst/>
             <a:extLst>
               <a:ext uri="{91240B29-F687-4f45-9708-019B960494DF}">
-                <a14:hiddenLine xmlns:a14="http://schemas.microsoft.com/office/drawing/2010/main" xmlns="" w="9525">
+                <a14:hiddenLine xmlns="" xmlns:a14="http://schemas.microsoft.com/office/drawing/2010/main" w="9525">
                   <a:solidFill>
                     <a:schemeClr val="tx1"/>
                   </a:solidFill>
@@ -2044,7 +2044,7 @@
                 </a14:hiddenLine>
               </a:ext>
               <a:ext uri="{AF507438-7753-43e0-B8FC-AC1667EBCBE1}">
-                <a14:hiddenEffects xmlns:a14="http://schemas.microsoft.com/office/drawing/2010/main" xmlns="">
+                <a14:hiddenEffects xmlns="" xmlns:a14="http://schemas.microsoft.com/office/drawing/2010/main">
                   <a:effectLst>
                     <a:outerShdw blurRad="63500" dist="38099" dir="2700000" algn="ctr" rotWithShape="0">
                       <a:schemeClr val="bg2">
@@ -2089,7 +2089,7 @@
             <a:effectLst/>
             <a:extLst>
               <a:ext uri="{91240B29-F687-4f45-9708-019B960494DF}">
-                <a14:hiddenLine xmlns:a14="http://schemas.microsoft.com/office/drawing/2010/main" xmlns="" w="9525">
+                <a14:hiddenLine xmlns="" xmlns:a14="http://schemas.microsoft.com/office/drawing/2010/main" w="9525">
                   <a:solidFill>
                     <a:schemeClr val="tx1"/>
                   </a:solidFill>
@@ -2099,7 +2099,7 @@
                 </a14:hiddenLine>
               </a:ext>
               <a:ext uri="{AF507438-7753-43e0-B8FC-AC1667EBCBE1}">
-                <a14:hiddenEffects xmlns:a14="http://schemas.microsoft.com/office/drawing/2010/main" xmlns="">
+                <a14:hiddenEffects xmlns="" xmlns:a14="http://schemas.microsoft.com/office/drawing/2010/main">
                   <a:effectLst>
                     <a:outerShdw blurRad="63500" dist="38099" dir="2700000" algn="ctr" rotWithShape="0">
                       <a:schemeClr val="bg2">
@@ -2144,7 +2144,7 @@
             <a:effectLst/>
             <a:extLst>
               <a:ext uri="{91240B29-F687-4f45-9708-019B960494DF}">
-                <a14:hiddenLine xmlns:a14="http://schemas.microsoft.com/office/drawing/2010/main" xmlns="" w="9525">
+                <a14:hiddenLine xmlns="" xmlns:a14="http://schemas.microsoft.com/office/drawing/2010/main" w="9525">
                   <a:solidFill>
                     <a:schemeClr val="tx1"/>
                   </a:solidFill>
@@ -2154,7 +2154,7 @@
                 </a14:hiddenLine>
               </a:ext>
               <a:ext uri="{AF507438-7753-43e0-B8FC-AC1667EBCBE1}">
-                <a14:hiddenEffects xmlns:a14="http://schemas.microsoft.com/office/drawing/2010/main" xmlns="">
+                <a14:hiddenEffects xmlns="" xmlns:a14="http://schemas.microsoft.com/office/drawing/2010/main">
                   <a:effectLst>
                     <a:outerShdw blurRad="63500" dist="38099" dir="2700000" algn="ctr" rotWithShape="0">
                       <a:schemeClr val="bg2">
@@ -2199,7 +2199,7 @@
             <a:effectLst/>
             <a:extLst>
               <a:ext uri="{91240B29-F687-4f45-9708-019B960494DF}">
-                <a14:hiddenLine xmlns:a14="http://schemas.microsoft.com/office/drawing/2010/main" xmlns="" w="9525">
+                <a14:hiddenLine xmlns="" xmlns:a14="http://schemas.microsoft.com/office/drawing/2010/main" w="9525">
                   <a:solidFill>
                     <a:schemeClr val="tx1"/>
                   </a:solidFill>
@@ -2209,7 +2209,7 @@
                 </a14:hiddenLine>
               </a:ext>
               <a:ext uri="{AF507438-7753-43e0-B8FC-AC1667EBCBE1}">
-                <a14:hiddenEffects xmlns:a14="http://schemas.microsoft.com/office/drawing/2010/main" xmlns="">
+                <a14:hiddenEffects xmlns="" xmlns:a14="http://schemas.microsoft.com/office/drawing/2010/main">
                   <a:effectLst>
                     <a:outerShdw blurRad="63500" dist="38099" dir="2700000" algn="ctr" rotWithShape="0">
                       <a:schemeClr val="bg2">
@@ -2254,7 +2254,7 @@
             <a:effectLst/>
             <a:extLst>
               <a:ext uri="{91240B29-F687-4f45-9708-019B960494DF}">
-                <a14:hiddenLine xmlns:a14="http://schemas.microsoft.com/office/drawing/2010/main" xmlns="" w="9525">
+                <a14:hiddenLine xmlns="" xmlns:a14="http://schemas.microsoft.com/office/drawing/2010/main" w="9525">
                   <a:solidFill>
                     <a:schemeClr val="tx1"/>
                   </a:solidFill>
@@ -2264,7 +2264,7 @@
                 </a14:hiddenLine>
               </a:ext>
               <a:ext uri="{AF507438-7753-43e0-B8FC-AC1667EBCBE1}">
-                <a14:hiddenEffects xmlns:a14="http://schemas.microsoft.com/office/drawing/2010/main" xmlns="">
+                <a14:hiddenEffects xmlns="" xmlns:a14="http://schemas.microsoft.com/office/drawing/2010/main">
                   <a:effectLst>
                     <a:outerShdw blurRad="63500" dist="38099" dir="2700000" algn="ctr" rotWithShape="0">
                       <a:schemeClr val="bg2">
@@ -2309,7 +2309,7 @@
             <a:effectLst/>
             <a:extLst>
               <a:ext uri="{91240B29-F687-4f45-9708-019B960494DF}">
-                <a14:hiddenLine xmlns:a14="http://schemas.microsoft.com/office/drawing/2010/main" xmlns="" w="9525">
+                <a14:hiddenLine xmlns="" xmlns:a14="http://schemas.microsoft.com/office/drawing/2010/main" w="9525">
                   <a:solidFill>
                     <a:schemeClr val="tx1"/>
                   </a:solidFill>
@@ -2319,7 +2319,7 @@
                 </a14:hiddenLine>
               </a:ext>
               <a:ext uri="{AF507438-7753-43e0-B8FC-AC1667EBCBE1}">
-                <a14:hiddenEffects xmlns:a14="http://schemas.microsoft.com/office/drawing/2010/main" xmlns="">
+                <a14:hiddenEffects xmlns="" xmlns:a14="http://schemas.microsoft.com/office/drawing/2010/main">
                   <a:effectLst>
                     <a:outerShdw blurRad="63500" dist="38099" dir="2700000" algn="ctr" rotWithShape="0">
                       <a:schemeClr val="bg2">
@@ -2364,7 +2364,7 @@
             <a:effectLst/>
             <a:extLst>
               <a:ext uri="{91240B29-F687-4f45-9708-019B960494DF}">
-                <a14:hiddenLine xmlns:a14="http://schemas.microsoft.com/office/drawing/2010/main" xmlns="" w="9525">
+                <a14:hiddenLine xmlns="" xmlns:a14="http://schemas.microsoft.com/office/drawing/2010/main" w="9525">
                   <a:solidFill>
                     <a:schemeClr val="tx1"/>
                   </a:solidFill>
@@ -2374,7 +2374,7 @@
                 </a14:hiddenLine>
               </a:ext>
               <a:ext uri="{AF507438-7753-43e0-B8FC-AC1667EBCBE1}">
-                <a14:hiddenEffects xmlns:a14="http://schemas.microsoft.com/office/drawing/2010/main" xmlns="">
+                <a14:hiddenEffects xmlns="" xmlns:a14="http://schemas.microsoft.com/office/drawing/2010/main">
                   <a:effectLst>
                     <a:outerShdw blurRad="63500" dist="38099" dir="2700000" algn="ctr" rotWithShape="0">
                       <a:schemeClr val="bg2">
@@ -2419,7 +2419,7 @@
             <a:effectLst/>
             <a:extLst>
               <a:ext uri="{91240B29-F687-4f45-9708-019B960494DF}">
-                <a14:hiddenLine xmlns:a14="http://schemas.microsoft.com/office/drawing/2010/main" xmlns="" w="9525">
+                <a14:hiddenLine xmlns="" xmlns:a14="http://schemas.microsoft.com/office/drawing/2010/main" w="9525">
                   <a:solidFill>
                     <a:schemeClr val="tx1"/>
                   </a:solidFill>
@@ -2429,7 +2429,7 @@
                 </a14:hiddenLine>
               </a:ext>
               <a:ext uri="{AF507438-7753-43e0-B8FC-AC1667EBCBE1}">
-                <a14:hiddenEffects xmlns:a14="http://schemas.microsoft.com/office/drawing/2010/main" xmlns="">
+                <a14:hiddenEffects xmlns="" xmlns:a14="http://schemas.microsoft.com/office/drawing/2010/main">
                   <a:effectLst>
                     <a:outerShdw blurRad="63500" dist="38099" dir="2700000" algn="ctr" rotWithShape="0">
                       <a:schemeClr val="bg2">
@@ -2474,7 +2474,7 @@
             <a:effectLst/>
             <a:extLst>
               <a:ext uri="{91240B29-F687-4f45-9708-019B960494DF}">
-                <a14:hiddenLine xmlns:a14="http://schemas.microsoft.com/office/drawing/2010/main" xmlns="" w="9525">
+                <a14:hiddenLine xmlns="" xmlns:a14="http://schemas.microsoft.com/office/drawing/2010/main" w="9525">
                   <a:solidFill>
                     <a:schemeClr val="tx1"/>
                   </a:solidFill>
@@ -2484,7 +2484,7 @@
                 </a14:hiddenLine>
               </a:ext>
               <a:ext uri="{AF507438-7753-43e0-B8FC-AC1667EBCBE1}">
-                <a14:hiddenEffects xmlns:a14="http://schemas.microsoft.com/office/drawing/2010/main" xmlns="">
+                <a14:hiddenEffects xmlns="" xmlns:a14="http://schemas.microsoft.com/office/drawing/2010/main">
                   <a:effectLst>
                     <a:outerShdw blurRad="63500" dist="38099" dir="2700000" algn="ctr" rotWithShape="0">
                       <a:schemeClr val="bg2">
@@ -2529,7 +2529,7 @@
             <a:effectLst/>
             <a:extLst>
               <a:ext uri="{91240B29-F687-4f45-9708-019B960494DF}">
-                <a14:hiddenLine xmlns:a14="http://schemas.microsoft.com/office/drawing/2010/main" xmlns="" w="9525">
+                <a14:hiddenLine xmlns="" xmlns:a14="http://schemas.microsoft.com/office/drawing/2010/main" w="9525">
                   <a:solidFill>
                     <a:schemeClr val="tx1"/>
                   </a:solidFill>
@@ -2539,7 +2539,7 @@
                 </a14:hiddenLine>
               </a:ext>
               <a:ext uri="{AF507438-7753-43e0-B8FC-AC1667EBCBE1}">
-                <a14:hiddenEffects xmlns:a14="http://schemas.microsoft.com/office/drawing/2010/main" xmlns="">
+                <a14:hiddenEffects xmlns="" xmlns:a14="http://schemas.microsoft.com/office/drawing/2010/main">
                   <a:effectLst>
                     <a:outerShdw blurRad="63500" dist="38099" dir="2700000" algn="ctr" rotWithShape="0">
                       <a:schemeClr val="bg2">
@@ -2584,7 +2584,7 @@
             <a:effectLst/>
             <a:extLst>
               <a:ext uri="{91240B29-F687-4f45-9708-019B960494DF}">
-                <a14:hiddenLine xmlns:a14="http://schemas.microsoft.com/office/drawing/2010/main" xmlns="" w="9525">
+                <a14:hiddenLine xmlns="" xmlns:a14="http://schemas.microsoft.com/office/drawing/2010/main" w="9525">
                   <a:solidFill>
                     <a:schemeClr val="tx1"/>
                   </a:solidFill>
@@ -2594,7 +2594,7 @@
                 </a14:hiddenLine>
               </a:ext>
               <a:ext uri="{AF507438-7753-43e0-B8FC-AC1667EBCBE1}">
-                <a14:hiddenEffects xmlns:a14="http://schemas.microsoft.com/office/drawing/2010/main" xmlns="">
+                <a14:hiddenEffects xmlns="" xmlns:a14="http://schemas.microsoft.com/office/drawing/2010/main">
                   <a:effectLst>
                     <a:outerShdw blurRad="63500" dist="38099" dir="2700000" algn="ctr" rotWithShape="0">
                       <a:schemeClr val="bg2">
@@ -2639,7 +2639,7 @@
             <a:effectLst/>
             <a:extLst>
               <a:ext uri="{91240B29-F687-4f45-9708-019B960494DF}">
-                <a14:hiddenLine xmlns:a14="http://schemas.microsoft.com/office/drawing/2010/main" xmlns="" w="9525">
+                <a14:hiddenLine xmlns="" xmlns:a14="http://schemas.microsoft.com/office/drawing/2010/main" w="9525">
                   <a:solidFill>
                     <a:schemeClr val="tx1"/>
                   </a:solidFill>
@@ -2649,7 +2649,7 @@
                 </a14:hiddenLine>
               </a:ext>
               <a:ext uri="{AF507438-7753-43e0-B8FC-AC1667EBCBE1}">
-                <a14:hiddenEffects xmlns:a14="http://schemas.microsoft.com/office/drawing/2010/main" xmlns="">
+                <a14:hiddenEffects xmlns="" xmlns:a14="http://schemas.microsoft.com/office/drawing/2010/main">
                   <a:effectLst>
                     <a:outerShdw blurRad="63500" dist="38099" dir="2700000" algn="ctr" rotWithShape="0">
                       <a:schemeClr val="bg2">
@@ -2694,7 +2694,7 @@
             <a:effectLst/>
             <a:extLst>
               <a:ext uri="{91240B29-F687-4f45-9708-019B960494DF}">
-                <a14:hiddenLine xmlns:a14="http://schemas.microsoft.com/office/drawing/2010/main" xmlns="" w="9525">
+                <a14:hiddenLine xmlns="" xmlns:a14="http://schemas.microsoft.com/office/drawing/2010/main" w="9525">
                   <a:solidFill>
                     <a:schemeClr val="tx1"/>
                   </a:solidFill>
@@ -2704,7 +2704,7 @@
                 </a14:hiddenLine>
               </a:ext>
               <a:ext uri="{AF507438-7753-43e0-B8FC-AC1667EBCBE1}">
-                <a14:hiddenEffects xmlns:a14="http://schemas.microsoft.com/office/drawing/2010/main" xmlns="">
+                <a14:hiddenEffects xmlns="" xmlns:a14="http://schemas.microsoft.com/office/drawing/2010/main">
                   <a:effectLst>
                     <a:outerShdw blurRad="63500" dist="38099" dir="2700000" algn="ctr" rotWithShape="0">
                       <a:schemeClr val="bg2">
@@ -2749,7 +2749,7 @@
             <a:effectLst/>
             <a:extLst>
               <a:ext uri="{91240B29-F687-4f45-9708-019B960494DF}">
-                <a14:hiddenLine xmlns:a14="http://schemas.microsoft.com/office/drawing/2010/main" xmlns="" w="9525">
+                <a14:hiddenLine xmlns="" xmlns:a14="http://schemas.microsoft.com/office/drawing/2010/main" w="9525">
                   <a:solidFill>
                     <a:schemeClr val="tx1"/>
                   </a:solidFill>
@@ -2759,7 +2759,7 @@
                 </a14:hiddenLine>
               </a:ext>
               <a:ext uri="{AF507438-7753-43e0-B8FC-AC1667EBCBE1}">
-                <a14:hiddenEffects xmlns:a14="http://schemas.microsoft.com/office/drawing/2010/main" xmlns="">
+                <a14:hiddenEffects xmlns="" xmlns:a14="http://schemas.microsoft.com/office/drawing/2010/main">
                   <a:effectLst>
                     <a:outerShdw blurRad="63500" dist="38099" dir="2700000" algn="ctr" rotWithShape="0">
                       <a:schemeClr val="bg2">
@@ -2804,7 +2804,7 @@
             <a:effectLst/>
             <a:extLst>
               <a:ext uri="{91240B29-F687-4f45-9708-019B960494DF}">
-                <a14:hiddenLine xmlns:a14="http://schemas.microsoft.com/office/drawing/2010/main" xmlns="" w="9525">
+                <a14:hiddenLine xmlns="" xmlns:a14="http://schemas.microsoft.com/office/drawing/2010/main" w="9525">
                   <a:solidFill>
                     <a:schemeClr val="tx1"/>
                   </a:solidFill>
@@ -2814,7 +2814,7 @@
                 </a14:hiddenLine>
               </a:ext>
               <a:ext uri="{AF507438-7753-43e0-B8FC-AC1667EBCBE1}">
-                <a14:hiddenEffects xmlns:a14="http://schemas.microsoft.com/office/drawing/2010/main" xmlns="">
+                <a14:hiddenEffects xmlns="" xmlns:a14="http://schemas.microsoft.com/office/drawing/2010/main">
                   <a:effectLst>
                     <a:outerShdw blurRad="63500" dist="38099" dir="2700000" algn="ctr" rotWithShape="0">
                       <a:schemeClr val="bg2">
@@ -2859,7 +2859,7 @@
             <a:effectLst/>
             <a:extLst>
               <a:ext uri="{91240B29-F687-4f45-9708-019B960494DF}">
-                <a14:hiddenLine xmlns:a14="http://schemas.microsoft.com/office/drawing/2010/main" xmlns="" w="9525">
+                <a14:hiddenLine xmlns="" xmlns:a14="http://schemas.microsoft.com/office/drawing/2010/main" w="9525">
                   <a:solidFill>
                     <a:schemeClr val="tx1"/>
                   </a:solidFill>
@@ -2869,7 +2869,7 @@
                 </a14:hiddenLine>
               </a:ext>
               <a:ext uri="{AF507438-7753-43e0-B8FC-AC1667EBCBE1}">
-                <a14:hiddenEffects xmlns:a14="http://schemas.microsoft.com/office/drawing/2010/main" xmlns="">
+                <a14:hiddenEffects xmlns="" xmlns:a14="http://schemas.microsoft.com/office/drawing/2010/main">
                   <a:effectLst>
                     <a:outerShdw blurRad="63500" dist="38099" dir="2700000" algn="ctr" rotWithShape="0">
                       <a:schemeClr val="bg2">
@@ -2914,7 +2914,7 @@
             <a:effectLst/>
             <a:extLst>
               <a:ext uri="{91240B29-F687-4f45-9708-019B960494DF}">
-                <a14:hiddenLine xmlns:a14="http://schemas.microsoft.com/office/drawing/2010/main" xmlns="" w="9525">
+                <a14:hiddenLine xmlns="" xmlns:a14="http://schemas.microsoft.com/office/drawing/2010/main" w="9525">
                   <a:solidFill>
                     <a:schemeClr val="tx1"/>
                   </a:solidFill>
@@ -2924,7 +2924,7 @@
                 </a14:hiddenLine>
               </a:ext>
               <a:ext uri="{AF507438-7753-43e0-B8FC-AC1667EBCBE1}">
-                <a14:hiddenEffects xmlns:a14="http://schemas.microsoft.com/office/drawing/2010/main" xmlns="">
+                <a14:hiddenEffects xmlns="" xmlns:a14="http://schemas.microsoft.com/office/drawing/2010/main">
                   <a:effectLst>
                     <a:outerShdw blurRad="63500" dist="38099" dir="2700000" algn="ctr" rotWithShape="0">
                       <a:schemeClr val="bg2">
@@ -2969,7 +2969,7 @@
             <a:effectLst/>
             <a:extLst>
               <a:ext uri="{91240B29-F687-4f45-9708-019B960494DF}">
-                <a14:hiddenLine xmlns:a14="http://schemas.microsoft.com/office/drawing/2010/main" xmlns="" w="9525">
+                <a14:hiddenLine xmlns="" xmlns:a14="http://schemas.microsoft.com/office/drawing/2010/main" w="9525">
                   <a:solidFill>
                     <a:schemeClr val="tx1"/>
                   </a:solidFill>
@@ -2979,7 +2979,7 @@
                 </a14:hiddenLine>
               </a:ext>
               <a:ext uri="{AF507438-7753-43e0-B8FC-AC1667EBCBE1}">
-                <a14:hiddenEffects xmlns:a14="http://schemas.microsoft.com/office/drawing/2010/main" xmlns="">
+                <a14:hiddenEffects xmlns="" xmlns:a14="http://schemas.microsoft.com/office/drawing/2010/main">
                   <a:effectLst>
                     <a:outerShdw blurRad="63500" dist="38099" dir="2700000" algn="ctr" rotWithShape="0">
                       <a:schemeClr val="bg2">
@@ -3024,7 +3024,7 @@
             <a:effectLst/>
             <a:extLst>
               <a:ext uri="{91240B29-F687-4f45-9708-019B960494DF}">
-                <a14:hiddenLine xmlns:a14="http://schemas.microsoft.com/office/drawing/2010/main" xmlns="" w="9525">
+                <a14:hiddenLine xmlns="" xmlns:a14="http://schemas.microsoft.com/office/drawing/2010/main" w="9525">
                   <a:solidFill>
                     <a:schemeClr val="tx1"/>
                   </a:solidFill>
@@ -3034,7 +3034,7 @@
                 </a14:hiddenLine>
               </a:ext>
               <a:ext uri="{AF507438-7753-43e0-B8FC-AC1667EBCBE1}">
-                <a14:hiddenEffects xmlns:a14="http://schemas.microsoft.com/office/drawing/2010/main" xmlns="">
+                <a14:hiddenEffects xmlns="" xmlns:a14="http://schemas.microsoft.com/office/drawing/2010/main">
                   <a:effectLst>
                     <a:outerShdw blurRad="63500" dist="38099" dir="2700000" algn="ctr" rotWithShape="0">
                       <a:schemeClr val="bg2">
@@ -3079,7 +3079,7 @@
             <a:effectLst/>
             <a:extLst>
               <a:ext uri="{91240B29-F687-4f45-9708-019B960494DF}">
-                <a14:hiddenLine xmlns:a14="http://schemas.microsoft.com/office/drawing/2010/main" xmlns="" w="9525">
+                <a14:hiddenLine xmlns="" xmlns:a14="http://schemas.microsoft.com/office/drawing/2010/main" w="9525">
                   <a:solidFill>
                     <a:schemeClr val="tx1"/>
                   </a:solidFill>
@@ -3089,7 +3089,7 @@
                 </a14:hiddenLine>
               </a:ext>
               <a:ext uri="{AF507438-7753-43e0-B8FC-AC1667EBCBE1}">
-                <a14:hiddenEffects xmlns:a14="http://schemas.microsoft.com/office/drawing/2010/main" xmlns="">
+                <a14:hiddenEffects xmlns="" xmlns:a14="http://schemas.microsoft.com/office/drawing/2010/main">
                   <a:effectLst>
                     <a:outerShdw blurRad="63500" dist="38099" dir="2700000" algn="ctr" rotWithShape="0">
                       <a:schemeClr val="bg2">
@@ -3134,7 +3134,7 @@
             <a:effectLst/>
             <a:extLst>
               <a:ext uri="{91240B29-F687-4f45-9708-019B960494DF}">
-                <a14:hiddenLine xmlns:a14="http://schemas.microsoft.com/office/drawing/2010/main" xmlns="" w="9525">
+                <a14:hiddenLine xmlns="" xmlns:a14="http://schemas.microsoft.com/office/drawing/2010/main" w="9525">
                   <a:solidFill>
                     <a:schemeClr val="tx1"/>
                   </a:solidFill>
@@ -3144,7 +3144,7 @@
                 </a14:hiddenLine>
               </a:ext>
               <a:ext uri="{AF507438-7753-43e0-B8FC-AC1667EBCBE1}">
-                <a14:hiddenEffects xmlns:a14="http://schemas.microsoft.com/office/drawing/2010/main" xmlns="">
+                <a14:hiddenEffects xmlns="" xmlns:a14="http://schemas.microsoft.com/office/drawing/2010/main">
                   <a:effectLst>
                     <a:outerShdw blurRad="63500" dist="38099" dir="2700000" algn="ctr" rotWithShape="0">
                       <a:schemeClr val="bg2">
@@ -3189,7 +3189,7 @@
             <a:effectLst/>
             <a:extLst>
               <a:ext uri="{91240B29-F687-4f45-9708-019B960494DF}">
-                <a14:hiddenLine xmlns:a14="http://schemas.microsoft.com/office/drawing/2010/main" xmlns="" w="9525">
+                <a14:hiddenLine xmlns="" xmlns:a14="http://schemas.microsoft.com/office/drawing/2010/main" w="9525">
                   <a:solidFill>
                     <a:schemeClr val="tx1"/>
                   </a:solidFill>
@@ -3199,7 +3199,7 @@
                 </a14:hiddenLine>
               </a:ext>
               <a:ext uri="{AF507438-7753-43e0-B8FC-AC1667EBCBE1}">
-                <a14:hiddenEffects xmlns:a14="http://schemas.microsoft.com/office/drawing/2010/main" xmlns="">
+                <a14:hiddenEffects xmlns="" xmlns:a14="http://schemas.microsoft.com/office/drawing/2010/main">
                   <a:effectLst>
                     <a:outerShdw blurRad="63500" dist="38099" dir="2700000" algn="ctr" rotWithShape="0">
                       <a:schemeClr val="bg2">
@@ -3244,7 +3244,7 @@
             <a:effectLst/>
             <a:extLst>
               <a:ext uri="{91240B29-F687-4f45-9708-019B960494DF}">
-                <a14:hiddenLine xmlns:a14="http://schemas.microsoft.com/office/drawing/2010/main" xmlns="" w="9525">
+                <a14:hiddenLine xmlns="" xmlns:a14="http://schemas.microsoft.com/office/drawing/2010/main" w="9525">
                   <a:solidFill>
                     <a:schemeClr val="tx1"/>
                   </a:solidFill>
@@ -3254,7 +3254,7 @@
                 </a14:hiddenLine>
               </a:ext>
               <a:ext uri="{AF507438-7753-43e0-B8FC-AC1667EBCBE1}">
-                <a14:hiddenEffects xmlns:a14="http://schemas.microsoft.com/office/drawing/2010/main" xmlns="">
+                <a14:hiddenEffects xmlns="" xmlns:a14="http://schemas.microsoft.com/office/drawing/2010/main">
                   <a:effectLst>
                     <a:outerShdw blurRad="63500" dist="38099" dir="2700000" algn="ctr" rotWithShape="0">
                       <a:schemeClr val="bg2">
@@ -3299,7 +3299,7 @@
             <a:effectLst/>
             <a:extLst>
               <a:ext uri="{91240B29-F687-4f45-9708-019B960494DF}">
-                <a14:hiddenLine xmlns:a14="http://schemas.microsoft.com/office/drawing/2010/main" xmlns="" w="9525">
+                <a14:hiddenLine xmlns="" xmlns:a14="http://schemas.microsoft.com/office/drawing/2010/main" w="9525">
                   <a:solidFill>
                     <a:schemeClr val="tx1"/>
                   </a:solidFill>
@@ -3309,7 +3309,7 @@
                 </a14:hiddenLine>
               </a:ext>
               <a:ext uri="{AF507438-7753-43e0-B8FC-AC1667EBCBE1}">
-                <a14:hiddenEffects xmlns:a14="http://schemas.microsoft.com/office/drawing/2010/main" xmlns="">
+                <a14:hiddenEffects xmlns="" xmlns:a14="http://schemas.microsoft.com/office/drawing/2010/main">
                   <a:effectLst>
                     <a:outerShdw blurRad="63500" dist="38099" dir="2700000" algn="ctr" rotWithShape="0">
                       <a:schemeClr val="bg2">
@@ -3354,7 +3354,7 @@
             <a:effectLst/>
             <a:extLst>
               <a:ext uri="{91240B29-F687-4f45-9708-019B960494DF}">
-                <a14:hiddenLine xmlns:a14="http://schemas.microsoft.com/office/drawing/2010/main" xmlns="" w="9525">
+                <a14:hiddenLine xmlns="" xmlns:a14="http://schemas.microsoft.com/office/drawing/2010/main" w="9525">
                   <a:solidFill>
                     <a:schemeClr val="tx1"/>
                   </a:solidFill>
@@ -3364,7 +3364,7 @@
                 </a14:hiddenLine>
               </a:ext>
               <a:ext uri="{AF507438-7753-43e0-B8FC-AC1667EBCBE1}">
-                <a14:hiddenEffects xmlns:a14="http://schemas.microsoft.com/office/drawing/2010/main" xmlns="">
+                <a14:hiddenEffects xmlns="" xmlns:a14="http://schemas.microsoft.com/office/drawing/2010/main">
                   <a:effectLst>
                     <a:outerShdw blurRad="63500" dist="38099" dir="2700000" algn="ctr" rotWithShape="0">
                       <a:schemeClr val="bg2">
@@ -3409,7 +3409,7 @@
             <a:effectLst/>
             <a:extLst>
               <a:ext uri="{91240B29-F687-4f45-9708-019B960494DF}">
-                <a14:hiddenLine xmlns:a14="http://schemas.microsoft.com/office/drawing/2010/main" xmlns="" w="9525">
+                <a14:hiddenLine xmlns="" xmlns:a14="http://schemas.microsoft.com/office/drawing/2010/main" w="9525">
                   <a:solidFill>
                     <a:schemeClr val="tx1"/>
                   </a:solidFill>
@@ -3419,7 +3419,7 @@
                 </a14:hiddenLine>
               </a:ext>
               <a:ext uri="{AF507438-7753-43e0-B8FC-AC1667EBCBE1}">
-                <a14:hiddenEffects xmlns:a14="http://schemas.microsoft.com/office/drawing/2010/main" xmlns="">
+                <a14:hiddenEffects xmlns="" xmlns:a14="http://schemas.microsoft.com/office/drawing/2010/main">
                   <a:effectLst>
                     <a:outerShdw blurRad="63500" dist="38099" dir="2700000" algn="ctr" rotWithShape="0">
                       <a:schemeClr val="bg2">
@@ -3464,7 +3464,7 @@
             <a:effectLst/>
             <a:extLst>
               <a:ext uri="{91240B29-F687-4f45-9708-019B960494DF}">
-                <a14:hiddenLine xmlns:a14="http://schemas.microsoft.com/office/drawing/2010/main" xmlns="" w="9525">
+                <a14:hiddenLine xmlns="" xmlns:a14="http://schemas.microsoft.com/office/drawing/2010/main" w="9525">
                   <a:solidFill>
                     <a:schemeClr val="tx1"/>
                   </a:solidFill>
@@ -3474,7 +3474,7 @@
                 </a14:hiddenLine>
               </a:ext>
               <a:ext uri="{AF507438-7753-43e0-B8FC-AC1667EBCBE1}">
-                <a14:hiddenEffects xmlns:a14="http://schemas.microsoft.com/office/drawing/2010/main" xmlns="">
+                <a14:hiddenEffects xmlns="" xmlns:a14="http://schemas.microsoft.com/office/drawing/2010/main">
                   <a:effectLst>
                     <a:outerShdw blurRad="63500" dist="38099" dir="2700000" algn="ctr" rotWithShape="0">
                       <a:schemeClr val="bg2">
@@ -3519,7 +3519,7 @@
             <a:effectLst/>
             <a:extLst>
               <a:ext uri="{91240B29-F687-4f45-9708-019B960494DF}">
-                <a14:hiddenLine xmlns:a14="http://schemas.microsoft.com/office/drawing/2010/main" xmlns="" w="9525">
+                <a14:hiddenLine xmlns="" xmlns:a14="http://schemas.microsoft.com/office/drawing/2010/main" w="9525">
                   <a:solidFill>
                     <a:schemeClr val="tx1"/>
                   </a:solidFill>
@@ -3529,7 +3529,7 @@
                 </a14:hiddenLine>
               </a:ext>
               <a:ext uri="{AF507438-7753-43e0-B8FC-AC1667EBCBE1}">
-                <a14:hiddenEffects xmlns:a14="http://schemas.microsoft.com/office/drawing/2010/main" xmlns="">
+                <a14:hiddenEffects xmlns="" xmlns:a14="http://schemas.microsoft.com/office/drawing/2010/main">
                   <a:effectLst>
                     <a:outerShdw blurRad="63500" dist="38099" dir="2700000" algn="ctr" rotWithShape="0">
                       <a:schemeClr val="bg2">
@@ -3578,12 +3578,12 @@
           <a:effectLst/>
           <a:extLst>
             <a:ext uri="{909E8E84-426E-40dd-AFC4-6F175D3DCCD1}">
-              <a14:hiddenFill xmlns:a14="http://schemas.microsoft.com/office/drawing/2010/main" xmlns="">
+              <a14:hiddenFill xmlns="" xmlns:a14="http://schemas.microsoft.com/office/drawing/2010/main">
                 <a:noFill/>
               </a14:hiddenFill>
             </a:ext>
             <a:ext uri="{AF507438-7753-43e0-B8FC-AC1667EBCBE1}">
-              <a14:hiddenEffects xmlns:a14="http://schemas.microsoft.com/office/drawing/2010/main" xmlns="">
+              <a14:hiddenEffects xmlns="" xmlns:a14="http://schemas.microsoft.com/office/drawing/2010/main">
                 <a:effectLst>
                   <a:outerShdw blurRad="63500" dist="38099" dir="2700000" algn="ctr" rotWithShape="0">
                     <a:schemeClr val="bg2">
@@ -5931,12 +5931,12 @@
           <a:effectLst/>
           <a:extLst>
             <a:ext uri="{909E8E84-426E-40dd-AFC4-6F175D3DCCD1}">
-              <a14:hiddenFill xmlns:a14="http://schemas.microsoft.com/office/drawing/2010/main" xmlns="">
+              <a14:hiddenFill xmlns="" xmlns:a14="http://schemas.microsoft.com/office/drawing/2010/main">
                 <a:noFill/>
               </a14:hiddenFill>
             </a:ext>
             <a:ext uri="{AF507438-7753-43e0-B8FC-AC1667EBCBE1}">
-              <a14:hiddenEffects xmlns:a14="http://schemas.microsoft.com/office/drawing/2010/main" xmlns="">
+              <a14:hiddenEffects xmlns="" xmlns:a14="http://schemas.microsoft.com/office/drawing/2010/main">
                 <a:effectLst>
                   <a:outerShdw blurRad="63500" dist="38099" dir="2700000" algn="ctr" rotWithShape="0">
                     <a:schemeClr val="bg2">
@@ -5984,14 +5984,14 @@
               <ma14:placeholderFlag xmlns:ma14="http://schemas.microsoft.com/office/mac/drawingml/2011/main" val="1"/>
             </a:ext>
             <a:ext uri="{909E8E84-426E-40dd-AFC4-6F175D3DCCD1}">
-              <a14:hiddenFill xmlns:a14="http://schemas.microsoft.com/office/drawing/2010/main" xmlns="">
+              <a14:hiddenFill xmlns="" xmlns:a14="http://schemas.microsoft.com/office/drawing/2010/main">
                 <a:solidFill>
                   <a:schemeClr val="accent1"/>
                 </a:solidFill>
               </a14:hiddenFill>
             </a:ext>
             <a:ext uri="{91240B29-F687-4f45-9708-019B960494DF}">
-              <a14:hiddenLine xmlns:a14="http://schemas.microsoft.com/office/drawing/2010/main" xmlns="" w="9525">
+              <a14:hiddenLine xmlns="" xmlns:a14="http://schemas.microsoft.com/office/drawing/2010/main" w="9525">
                 <a:solidFill>
                   <a:schemeClr val="tx1"/>
                 </a:solidFill>
@@ -6001,7 +6001,7 @@
               </a14:hiddenLine>
             </a:ext>
             <a:ext uri="{AF507438-7753-43e0-B8FC-AC1667EBCBE1}">
-              <a14:hiddenEffects xmlns:a14="http://schemas.microsoft.com/office/drawing/2010/main" xmlns="">
+              <a14:hiddenEffects xmlns="" xmlns:a14="http://schemas.microsoft.com/office/drawing/2010/main">
                 <a:effectLst>
                   <a:outerShdw blurRad="63500" dist="38099" dir="2700000" algn="ctr" rotWithShape="0">
                     <a:schemeClr val="bg2">
@@ -6057,14 +6057,14 @@
               <ma14:placeholderFlag xmlns:ma14="http://schemas.microsoft.com/office/mac/drawingml/2011/main" val="1"/>
             </a:ext>
             <a:ext uri="{909E8E84-426E-40dd-AFC4-6F175D3DCCD1}">
-              <a14:hiddenFill xmlns:a14="http://schemas.microsoft.com/office/drawing/2010/main" xmlns="">
+              <a14:hiddenFill xmlns="" xmlns:a14="http://schemas.microsoft.com/office/drawing/2010/main">
                 <a:solidFill>
                   <a:schemeClr val="accent1"/>
                 </a:solidFill>
               </a14:hiddenFill>
             </a:ext>
             <a:ext uri="{91240B29-F687-4f45-9708-019B960494DF}">
-              <a14:hiddenLine xmlns:a14="http://schemas.microsoft.com/office/drawing/2010/main" xmlns="" w="9525">
+              <a14:hiddenLine xmlns="" xmlns:a14="http://schemas.microsoft.com/office/drawing/2010/main" w="9525">
                 <a:solidFill>
                   <a:schemeClr val="tx1"/>
                 </a:solidFill>
@@ -6074,7 +6074,7 @@
               </a14:hiddenLine>
             </a:ext>
             <a:ext uri="{AF507438-7753-43e0-B8FC-AC1667EBCBE1}">
-              <a14:hiddenEffects xmlns:a14="http://schemas.microsoft.com/office/drawing/2010/main" xmlns="">
+              <a14:hiddenEffects xmlns="" xmlns:a14="http://schemas.microsoft.com/office/drawing/2010/main">
                 <a:effectLst>
                   <a:outerShdw blurRad="63500" dist="38099" dir="2700000" algn="ctr" rotWithShape="0">
                     <a:schemeClr val="bg2">
@@ -6158,14 +6158,14 @@
               <ma14:placeholderFlag xmlns:ma14="http://schemas.microsoft.com/office/mac/drawingml/2011/main" val="1"/>
             </a:ext>
             <a:ext uri="{909E8E84-426E-40dd-AFC4-6F175D3DCCD1}">
-              <a14:hiddenFill xmlns:a14="http://schemas.microsoft.com/office/drawing/2010/main" xmlns="">
+              <a14:hiddenFill xmlns="" xmlns:a14="http://schemas.microsoft.com/office/drawing/2010/main">
                 <a:solidFill>
                   <a:schemeClr val="accent1"/>
                 </a:solidFill>
               </a14:hiddenFill>
             </a:ext>
             <a:ext uri="{91240B29-F687-4f45-9708-019B960494DF}">
-              <a14:hiddenLine xmlns:a14="http://schemas.microsoft.com/office/drawing/2010/main" xmlns="" w="9525">
+              <a14:hiddenLine xmlns="" xmlns:a14="http://schemas.microsoft.com/office/drawing/2010/main" w="9525">
                 <a:solidFill>
                   <a:schemeClr val="tx1"/>
                 </a:solidFill>
@@ -6175,7 +6175,7 @@
               </a14:hiddenLine>
             </a:ext>
             <a:ext uri="{AF507438-7753-43e0-B8FC-AC1667EBCBE1}">
-              <a14:hiddenEffects xmlns:a14="http://schemas.microsoft.com/office/drawing/2010/main" xmlns="">
+              <a14:hiddenEffects xmlns="" xmlns:a14="http://schemas.microsoft.com/office/drawing/2010/main">
                 <a:effectLst>
                   <a:outerShdw blurRad="63500" dist="38099" dir="2700000" algn="ctr" rotWithShape="0">
                     <a:schemeClr val="bg2">
@@ -6231,14 +6231,14 @@
               <ma14:placeholderFlag xmlns:ma14="http://schemas.microsoft.com/office/mac/drawingml/2011/main" val="1"/>
             </a:ext>
             <a:ext uri="{909E8E84-426E-40dd-AFC4-6F175D3DCCD1}">
-              <a14:hiddenFill xmlns:a14="http://schemas.microsoft.com/office/drawing/2010/main" xmlns="">
+              <a14:hiddenFill xmlns="" xmlns:a14="http://schemas.microsoft.com/office/drawing/2010/main">
                 <a:solidFill>
                   <a:schemeClr val="accent1"/>
                 </a:solidFill>
               </a14:hiddenFill>
             </a:ext>
             <a:ext uri="{91240B29-F687-4f45-9708-019B960494DF}">
-              <a14:hiddenLine xmlns:a14="http://schemas.microsoft.com/office/drawing/2010/main" xmlns="" w="9525">
+              <a14:hiddenLine xmlns="" xmlns:a14="http://schemas.microsoft.com/office/drawing/2010/main" w="9525">
                 <a:solidFill>
                   <a:schemeClr val="tx1"/>
                 </a:solidFill>
@@ -6248,7 +6248,7 @@
               </a14:hiddenLine>
             </a:ext>
             <a:ext uri="{AF507438-7753-43e0-B8FC-AC1667EBCBE1}">
-              <a14:hiddenEffects xmlns:a14="http://schemas.microsoft.com/office/drawing/2010/main" xmlns="">
+              <a14:hiddenEffects xmlns="" xmlns:a14="http://schemas.microsoft.com/office/drawing/2010/main">
                 <a:effectLst>
                   <a:outerShdw blurRad="63500" dist="38099" dir="2700000" algn="ctr" rotWithShape="0">
                     <a:schemeClr val="bg2">
@@ -6304,14 +6304,14 @@
               <ma14:placeholderFlag xmlns:ma14="http://schemas.microsoft.com/office/mac/drawingml/2011/main" val="1"/>
             </a:ext>
             <a:ext uri="{909E8E84-426E-40dd-AFC4-6F175D3DCCD1}">
-              <a14:hiddenFill xmlns:a14="http://schemas.microsoft.com/office/drawing/2010/main" xmlns="">
+              <a14:hiddenFill xmlns="" xmlns:a14="http://schemas.microsoft.com/office/drawing/2010/main">
                 <a:solidFill>
                   <a:schemeClr val="accent1"/>
                 </a:solidFill>
               </a14:hiddenFill>
             </a:ext>
             <a:ext uri="{91240B29-F687-4f45-9708-019B960494DF}">
-              <a14:hiddenLine xmlns:a14="http://schemas.microsoft.com/office/drawing/2010/main" xmlns="" w="9525">
+              <a14:hiddenLine xmlns="" xmlns:a14="http://schemas.microsoft.com/office/drawing/2010/main" w="9525">
                 <a:solidFill>
                   <a:schemeClr val="tx1"/>
                 </a:solidFill>
@@ -6321,7 +6321,7 @@
               </a14:hiddenLine>
             </a:ext>
             <a:ext uri="{AF507438-7753-43e0-B8FC-AC1667EBCBE1}">
-              <a14:hiddenEffects xmlns:a14="http://schemas.microsoft.com/office/drawing/2010/main" xmlns="">
+              <a14:hiddenEffects xmlns="" xmlns:a14="http://schemas.microsoft.com/office/drawing/2010/main">
                 <a:effectLst>
                   <a:outerShdw blurRad="63500" dist="38099" dir="2700000" algn="ctr" rotWithShape="0">
                     <a:schemeClr val="bg2">
@@ -6395,7 +6395,7 @@
             <a:effectLst/>
             <a:extLst>
               <a:ext uri="{91240B29-F687-4f45-9708-019B960494DF}">
-                <a14:hiddenLine xmlns:a14="http://schemas.microsoft.com/office/drawing/2010/main" xmlns="" w="9525">
+                <a14:hiddenLine xmlns="" xmlns:a14="http://schemas.microsoft.com/office/drawing/2010/main" w="9525">
                   <a:solidFill>
                     <a:schemeClr val="tx1"/>
                   </a:solidFill>
@@ -6405,7 +6405,7 @@
                 </a14:hiddenLine>
               </a:ext>
               <a:ext uri="{AF507438-7753-43e0-B8FC-AC1667EBCBE1}">
-                <a14:hiddenEffects xmlns:a14="http://schemas.microsoft.com/office/drawing/2010/main" xmlns="">
+                <a14:hiddenEffects xmlns="" xmlns:a14="http://schemas.microsoft.com/office/drawing/2010/main">
                   <a:effectLst>
                     <a:outerShdw blurRad="63500" dist="38099" dir="2700000" algn="ctr" rotWithShape="0">
                       <a:schemeClr val="bg2">
@@ -6450,7 +6450,7 @@
             <a:effectLst/>
             <a:extLst>
               <a:ext uri="{91240B29-F687-4f45-9708-019B960494DF}">
-                <a14:hiddenLine xmlns:a14="http://schemas.microsoft.com/office/drawing/2010/main" xmlns="" w="9525">
+                <a14:hiddenLine xmlns="" xmlns:a14="http://schemas.microsoft.com/office/drawing/2010/main" w="9525">
                   <a:solidFill>
                     <a:schemeClr val="tx1"/>
                   </a:solidFill>
@@ -6460,7 +6460,7 @@
                 </a14:hiddenLine>
               </a:ext>
               <a:ext uri="{AF507438-7753-43e0-B8FC-AC1667EBCBE1}">
-                <a14:hiddenEffects xmlns:a14="http://schemas.microsoft.com/office/drawing/2010/main" xmlns="">
+                <a14:hiddenEffects xmlns="" xmlns:a14="http://schemas.microsoft.com/office/drawing/2010/main">
                   <a:effectLst>
                     <a:outerShdw blurRad="63500" dist="38099" dir="2700000" algn="ctr" rotWithShape="0">
                       <a:schemeClr val="bg2">
@@ -6505,7 +6505,7 @@
             <a:effectLst/>
             <a:extLst>
               <a:ext uri="{91240B29-F687-4f45-9708-019B960494DF}">
-                <a14:hiddenLine xmlns:a14="http://schemas.microsoft.com/office/drawing/2010/main" xmlns="" w="9525">
+                <a14:hiddenLine xmlns="" xmlns:a14="http://schemas.microsoft.com/office/drawing/2010/main" w="9525">
                   <a:solidFill>
                     <a:schemeClr val="tx1"/>
                   </a:solidFill>
@@ -6515,7 +6515,7 @@
                 </a14:hiddenLine>
               </a:ext>
               <a:ext uri="{AF507438-7753-43e0-B8FC-AC1667EBCBE1}">
-                <a14:hiddenEffects xmlns:a14="http://schemas.microsoft.com/office/drawing/2010/main" xmlns="">
+                <a14:hiddenEffects xmlns="" xmlns:a14="http://schemas.microsoft.com/office/drawing/2010/main">
                   <a:effectLst>
                     <a:outerShdw blurRad="63500" dist="38099" dir="2700000" algn="ctr" rotWithShape="0">
                       <a:schemeClr val="bg2">
@@ -6560,7 +6560,7 @@
             <a:effectLst/>
             <a:extLst>
               <a:ext uri="{91240B29-F687-4f45-9708-019B960494DF}">
-                <a14:hiddenLine xmlns:a14="http://schemas.microsoft.com/office/drawing/2010/main" xmlns="" w="9525">
+                <a14:hiddenLine xmlns="" xmlns:a14="http://schemas.microsoft.com/office/drawing/2010/main" w="9525">
                   <a:solidFill>
                     <a:schemeClr val="tx1"/>
                   </a:solidFill>
@@ -6570,7 +6570,7 @@
                 </a14:hiddenLine>
               </a:ext>
               <a:ext uri="{AF507438-7753-43e0-B8FC-AC1667EBCBE1}">
-                <a14:hiddenEffects xmlns:a14="http://schemas.microsoft.com/office/drawing/2010/main" xmlns="">
+                <a14:hiddenEffects xmlns="" xmlns:a14="http://schemas.microsoft.com/office/drawing/2010/main">
                   <a:effectLst>
                     <a:outerShdw blurRad="63500" dist="38099" dir="2700000" algn="ctr" rotWithShape="0">
                       <a:schemeClr val="bg2">
@@ -6615,7 +6615,7 @@
             <a:effectLst/>
             <a:extLst>
               <a:ext uri="{91240B29-F687-4f45-9708-019B960494DF}">
-                <a14:hiddenLine xmlns:a14="http://schemas.microsoft.com/office/drawing/2010/main" xmlns="" w="9525">
+                <a14:hiddenLine xmlns="" xmlns:a14="http://schemas.microsoft.com/office/drawing/2010/main" w="9525">
                   <a:solidFill>
                     <a:schemeClr val="tx1"/>
                   </a:solidFill>
@@ -6625,7 +6625,7 @@
                 </a14:hiddenLine>
               </a:ext>
               <a:ext uri="{AF507438-7753-43e0-B8FC-AC1667EBCBE1}">
-                <a14:hiddenEffects xmlns:a14="http://schemas.microsoft.com/office/drawing/2010/main" xmlns="">
+                <a14:hiddenEffects xmlns="" xmlns:a14="http://schemas.microsoft.com/office/drawing/2010/main">
                   <a:effectLst>
                     <a:outerShdw blurRad="63500" dist="38099" dir="2700000" algn="ctr" rotWithShape="0">
                       <a:schemeClr val="bg2">
@@ -6670,7 +6670,7 @@
             <a:effectLst/>
             <a:extLst>
               <a:ext uri="{91240B29-F687-4f45-9708-019B960494DF}">
-                <a14:hiddenLine xmlns:a14="http://schemas.microsoft.com/office/drawing/2010/main" xmlns="" w="9525">
+                <a14:hiddenLine xmlns="" xmlns:a14="http://schemas.microsoft.com/office/drawing/2010/main" w="9525">
                   <a:solidFill>
                     <a:schemeClr val="tx1"/>
                   </a:solidFill>
@@ -6680,7 +6680,7 @@
                 </a14:hiddenLine>
               </a:ext>
               <a:ext uri="{AF507438-7753-43e0-B8FC-AC1667EBCBE1}">
-                <a14:hiddenEffects xmlns:a14="http://schemas.microsoft.com/office/drawing/2010/main" xmlns="">
+                <a14:hiddenEffects xmlns="" xmlns:a14="http://schemas.microsoft.com/office/drawing/2010/main">
                   <a:effectLst>
                     <a:outerShdw blurRad="63500" dist="38099" dir="2700000" algn="ctr" rotWithShape="0">
                       <a:schemeClr val="bg2">
@@ -6725,7 +6725,7 @@
             <a:effectLst/>
             <a:extLst>
               <a:ext uri="{91240B29-F687-4f45-9708-019B960494DF}">
-                <a14:hiddenLine xmlns:a14="http://schemas.microsoft.com/office/drawing/2010/main" xmlns="" w="9525">
+                <a14:hiddenLine xmlns="" xmlns:a14="http://schemas.microsoft.com/office/drawing/2010/main" w="9525">
                   <a:solidFill>
                     <a:schemeClr val="tx1"/>
                   </a:solidFill>
@@ -6735,7 +6735,7 @@
                 </a14:hiddenLine>
               </a:ext>
               <a:ext uri="{AF507438-7753-43e0-B8FC-AC1667EBCBE1}">
-                <a14:hiddenEffects xmlns:a14="http://schemas.microsoft.com/office/drawing/2010/main" xmlns="">
+                <a14:hiddenEffects xmlns="" xmlns:a14="http://schemas.microsoft.com/office/drawing/2010/main">
                   <a:effectLst>
                     <a:outerShdw blurRad="63500" dist="38099" dir="2700000" algn="ctr" rotWithShape="0">
                       <a:schemeClr val="bg2">
@@ -6780,7 +6780,7 @@
             <a:effectLst/>
             <a:extLst>
               <a:ext uri="{91240B29-F687-4f45-9708-019B960494DF}">
-                <a14:hiddenLine xmlns:a14="http://schemas.microsoft.com/office/drawing/2010/main" xmlns="" w="9525">
+                <a14:hiddenLine xmlns="" xmlns:a14="http://schemas.microsoft.com/office/drawing/2010/main" w="9525">
                   <a:solidFill>
                     <a:schemeClr val="tx1"/>
                   </a:solidFill>
@@ -6790,7 +6790,7 @@
                 </a14:hiddenLine>
               </a:ext>
               <a:ext uri="{AF507438-7753-43e0-B8FC-AC1667EBCBE1}">
-                <a14:hiddenEffects xmlns:a14="http://schemas.microsoft.com/office/drawing/2010/main" xmlns="">
+                <a14:hiddenEffects xmlns="" xmlns:a14="http://schemas.microsoft.com/office/drawing/2010/main">
                   <a:effectLst>
                     <a:outerShdw blurRad="63500" dist="38099" dir="2700000" algn="ctr" rotWithShape="0">
                       <a:schemeClr val="bg2">
@@ -6835,7 +6835,7 @@
             <a:effectLst/>
             <a:extLst>
               <a:ext uri="{91240B29-F687-4f45-9708-019B960494DF}">
-                <a14:hiddenLine xmlns:a14="http://schemas.microsoft.com/office/drawing/2010/main" xmlns="" w="9525">
+                <a14:hiddenLine xmlns="" xmlns:a14="http://schemas.microsoft.com/office/drawing/2010/main" w="9525">
                   <a:solidFill>
                     <a:schemeClr val="tx1"/>
                   </a:solidFill>
@@ -6845,7 +6845,7 @@
                 </a14:hiddenLine>
               </a:ext>
               <a:ext uri="{AF507438-7753-43e0-B8FC-AC1667EBCBE1}">
-                <a14:hiddenEffects xmlns:a14="http://schemas.microsoft.com/office/drawing/2010/main" xmlns="">
+                <a14:hiddenEffects xmlns="" xmlns:a14="http://schemas.microsoft.com/office/drawing/2010/main">
                   <a:effectLst>
                     <a:outerShdw blurRad="63500" dist="38099" dir="2700000" algn="ctr" rotWithShape="0">
                       <a:schemeClr val="bg2">
@@ -6890,7 +6890,7 @@
             <a:effectLst/>
             <a:extLst>
               <a:ext uri="{91240B29-F687-4f45-9708-019B960494DF}">
-                <a14:hiddenLine xmlns:a14="http://schemas.microsoft.com/office/drawing/2010/main" xmlns="" w="9525">
+                <a14:hiddenLine xmlns="" xmlns:a14="http://schemas.microsoft.com/office/drawing/2010/main" w="9525">
                   <a:solidFill>
                     <a:schemeClr val="tx1"/>
                   </a:solidFill>
@@ -6900,7 +6900,7 @@
                 </a14:hiddenLine>
               </a:ext>
               <a:ext uri="{AF507438-7753-43e0-B8FC-AC1667EBCBE1}">
-                <a14:hiddenEffects xmlns:a14="http://schemas.microsoft.com/office/drawing/2010/main" xmlns="">
+                <a14:hiddenEffects xmlns="" xmlns:a14="http://schemas.microsoft.com/office/drawing/2010/main">
                   <a:effectLst>
                     <a:outerShdw blurRad="63500" dist="38099" dir="2700000" algn="ctr" rotWithShape="0">
                       <a:schemeClr val="bg2">
@@ -6945,7 +6945,7 @@
             <a:effectLst/>
             <a:extLst>
               <a:ext uri="{91240B29-F687-4f45-9708-019B960494DF}">
-                <a14:hiddenLine xmlns:a14="http://schemas.microsoft.com/office/drawing/2010/main" xmlns="" w="9525">
+                <a14:hiddenLine xmlns="" xmlns:a14="http://schemas.microsoft.com/office/drawing/2010/main" w="9525">
                   <a:solidFill>
                     <a:schemeClr val="tx1"/>
                   </a:solidFill>
@@ -6955,7 +6955,7 @@
                 </a14:hiddenLine>
               </a:ext>
               <a:ext uri="{AF507438-7753-43e0-B8FC-AC1667EBCBE1}">
-                <a14:hiddenEffects xmlns:a14="http://schemas.microsoft.com/office/drawing/2010/main" xmlns="">
+                <a14:hiddenEffects xmlns="" xmlns:a14="http://schemas.microsoft.com/office/drawing/2010/main">
                   <a:effectLst>
                     <a:outerShdw blurRad="63500" dist="38099" dir="2700000" algn="ctr" rotWithShape="0">
                       <a:schemeClr val="bg2">
@@ -7000,7 +7000,7 @@
             <a:effectLst/>
             <a:extLst>
               <a:ext uri="{91240B29-F687-4f45-9708-019B960494DF}">
-                <a14:hiddenLine xmlns:a14="http://schemas.microsoft.com/office/drawing/2010/main" xmlns="" w="9525">
+                <a14:hiddenLine xmlns="" xmlns:a14="http://schemas.microsoft.com/office/drawing/2010/main" w="9525">
                   <a:solidFill>
                     <a:schemeClr val="tx1"/>
                   </a:solidFill>
@@ -7010,7 +7010,7 @@
                 </a14:hiddenLine>
               </a:ext>
               <a:ext uri="{AF507438-7753-43e0-B8FC-AC1667EBCBE1}">
-                <a14:hiddenEffects xmlns:a14="http://schemas.microsoft.com/office/drawing/2010/main" xmlns="">
+                <a14:hiddenEffects xmlns="" xmlns:a14="http://schemas.microsoft.com/office/drawing/2010/main">
                   <a:effectLst>
                     <a:outerShdw blurRad="63500" dist="38099" dir="2700000" algn="ctr" rotWithShape="0">
                       <a:schemeClr val="bg2">
@@ -7055,7 +7055,7 @@
             <a:effectLst/>
             <a:extLst>
               <a:ext uri="{91240B29-F687-4f45-9708-019B960494DF}">
-                <a14:hiddenLine xmlns:a14="http://schemas.microsoft.com/office/drawing/2010/main" xmlns="" w="9525">
+                <a14:hiddenLine xmlns="" xmlns:a14="http://schemas.microsoft.com/office/drawing/2010/main" w="9525">
                   <a:solidFill>
                     <a:schemeClr val="tx1"/>
                   </a:solidFill>
@@ -7065,7 +7065,7 @@
                 </a14:hiddenLine>
               </a:ext>
               <a:ext uri="{AF507438-7753-43e0-B8FC-AC1667EBCBE1}">
-                <a14:hiddenEffects xmlns:a14="http://schemas.microsoft.com/office/drawing/2010/main" xmlns="">
+                <a14:hiddenEffects xmlns="" xmlns:a14="http://schemas.microsoft.com/office/drawing/2010/main">
                   <a:effectLst>
                     <a:outerShdw blurRad="63500" dist="38099" dir="2700000" algn="ctr" rotWithShape="0">
                       <a:schemeClr val="bg2">
@@ -7110,7 +7110,7 @@
             <a:effectLst/>
             <a:extLst>
               <a:ext uri="{91240B29-F687-4f45-9708-019B960494DF}">
-                <a14:hiddenLine xmlns:a14="http://schemas.microsoft.com/office/drawing/2010/main" xmlns="" w="9525">
+                <a14:hiddenLine xmlns="" xmlns:a14="http://schemas.microsoft.com/office/drawing/2010/main" w="9525">
                   <a:solidFill>
                     <a:schemeClr val="tx1"/>
                   </a:solidFill>
@@ -7120,7 +7120,7 @@
                 </a14:hiddenLine>
               </a:ext>
               <a:ext uri="{AF507438-7753-43e0-B8FC-AC1667EBCBE1}">
-                <a14:hiddenEffects xmlns:a14="http://schemas.microsoft.com/office/drawing/2010/main" xmlns="">
+                <a14:hiddenEffects xmlns="" xmlns:a14="http://schemas.microsoft.com/office/drawing/2010/main">
                   <a:effectLst>
                     <a:outerShdw blurRad="63500" dist="38099" dir="2700000" algn="ctr" rotWithShape="0">
                       <a:schemeClr val="bg2">
@@ -7165,7 +7165,7 @@
             <a:effectLst/>
             <a:extLst>
               <a:ext uri="{91240B29-F687-4f45-9708-019B960494DF}">
-                <a14:hiddenLine xmlns:a14="http://schemas.microsoft.com/office/drawing/2010/main" xmlns="" w="9525">
+                <a14:hiddenLine xmlns="" xmlns:a14="http://schemas.microsoft.com/office/drawing/2010/main" w="9525">
                   <a:solidFill>
                     <a:schemeClr val="tx1"/>
                   </a:solidFill>
@@ -7175,7 +7175,7 @@
                 </a14:hiddenLine>
               </a:ext>
               <a:ext uri="{AF507438-7753-43e0-B8FC-AC1667EBCBE1}">
-                <a14:hiddenEffects xmlns:a14="http://schemas.microsoft.com/office/drawing/2010/main" xmlns="">
+                <a14:hiddenEffects xmlns="" xmlns:a14="http://schemas.microsoft.com/office/drawing/2010/main">
                   <a:effectLst>
                     <a:outerShdw blurRad="63500" dist="38099" dir="2700000" algn="ctr" rotWithShape="0">
                       <a:schemeClr val="bg2">
@@ -7220,7 +7220,7 @@
             <a:effectLst/>
             <a:extLst>
               <a:ext uri="{91240B29-F687-4f45-9708-019B960494DF}">
-                <a14:hiddenLine xmlns:a14="http://schemas.microsoft.com/office/drawing/2010/main" xmlns="" w="9525">
+                <a14:hiddenLine xmlns="" xmlns:a14="http://schemas.microsoft.com/office/drawing/2010/main" w="9525">
                   <a:solidFill>
                     <a:schemeClr val="tx1"/>
                   </a:solidFill>
@@ -7230,7 +7230,7 @@
                 </a14:hiddenLine>
               </a:ext>
               <a:ext uri="{AF507438-7753-43e0-B8FC-AC1667EBCBE1}">
-                <a14:hiddenEffects xmlns:a14="http://schemas.microsoft.com/office/drawing/2010/main" xmlns="">
+                <a14:hiddenEffects xmlns="" xmlns:a14="http://schemas.microsoft.com/office/drawing/2010/main">
                   <a:effectLst>
                     <a:outerShdw blurRad="63500" dist="38099" dir="2700000" algn="ctr" rotWithShape="0">
                       <a:schemeClr val="bg2">
@@ -7275,7 +7275,7 @@
             <a:effectLst/>
             <a:extLst>
               <a:ext uri="{91240B29-F687-4f45-9708-019B960494DF}">
-                <a14:hiddenLine xmlns:a14="http://schemas.microsoft.com/office/drawing/2010/main" xmlns="" w="9525">
+                <a14:hiddenLine xmlns="" xmlns:a14="http://schemas.microsoft.com/office/drawing/2010/main" w="9525">
                   <a:solidFill>
                     <a:schemeClr val="tx1"/>
                   </a:solidFill>
@@ -7285,7 +7285,7 @@
                 </a14:hiddenLine>
               </a:ext>
               <a:ext uri="{AF507438-7753-43e0-B8FC-AC1667EBCBE1}">
-                <a14:hiddenEffects xmlns:a14="http://schemas.microsoft.com/office/drawing/2010/main" xmlns="">
+                <a14:hiddenEffects xmlns="" xmlns:a14="http://schemas.microsoft.com/office/drawing/2010/main">
                   <a:effectLst>
                     <a:outerShdw blurRad="63500" dist="38099" dir="2700000" algn="ctr" rotWithShape="0">
                       <a:schemeClr val="bg2">
@@ -7330,7 +7330,7 @@
             <a:effectLst/>
             <a:extLst>
               <a:ext uri="{91240B29-F687-4f45-9708-019B960494DF}">
-                <a14:hiddenLine xmlns:a14="http://schemas.microsoft.com/office/drawing/2010/main" xmlns="" w="9525">
+                <a14:hiddenLine xmlns="" xmlns:a14="http://schemas.microsoft.com/office/drawing/2010/main" w="9525">
                   <a:solidFill>
                     <a:schemeClr val="tx1"/>
                   </a:solidFill>
@@ -7340,7 +7340,7 @@
                 </a14:hiddenLine>
               </a:ext>
               <a:ext uri="{AF507438-7753-43e0-B8FC-AC1667EBCBE1}">
-                <a14:hiddenEffects xmlns:a14="http://schemas.microsoft.com/office/drawing/2010/main" xmlns="">
+                <a14:hiddenEffects xmlns="" xmlns:a14="http://schemas.microsoft.com/office/drawing/2010/main">
                   <a:effectLst>
                     <a:outerShdw blurRad="63500" dist="38099" dir="2700000" algn="ctr" rotWithShape="0">
                       <a:schemeClr val="bg2">
@@ -7385,7 +7385,7 @@
             <a:effectLst/>
             <a:extLst>
               <a:ext uri="{91240B29-F687-4f45-9708-019B960494DF}">
-                <a14:hiddenLine xmlns:a14="http://schemas.microsoft.com/office/drawing/2010/main" xmlns="" w="9525">
+                <a14:hiddenLine xmlns="" xmlns:a14="http://schemas.microsoft.com/office/drawing/2010/main" w="9525">
                   <a:solidFill>
                     <a:schemeClr val="tx1"/>
                   </a:solidFill>
@@ -7395,7 +7395,7 @@
                 </a14:hiddenLine>
               </a:ext>
               <a:ext uri="{AF507438-7753-43e0-B8FC-AC1667EBCBE1}">
-                <a14:hiddenEffects xmlns:a14="http://schemas.microsoft.com/office/drawing/2010/main" xmlns="">
+                <a14:hiddenEffects xmlns="" xmlns:a14="http://schemas.microsoft.com/office/drawing/2010/main">
                   <a:effectLst>
                     <a:outerShdw blurRad="63500" dist="38099" dir="2700000" algn="ctr" rotWithShape="0">
                       <a:schemeClr val="bg2">
@@ -7440,7 +7440,7 @@
             <a:effectLst/>
             <a:extLst>
               <a:ext uri="{91240B29-F687-4f45-9708-019B960494DF}">
-                <a14:hiddenLine xmlns:a14="http://schemas.microsoft.com/office/drawing/2010/main" xmlns="" w="9525">
+                <a14:hiddenLine xmlns="" xmlns:a14="http://schemas.microsoft.com/office/drawing/2010/main" w="9525">
                   <a:solidFill>
                     <a:schemeClr val="tx1"/>
                   </a:solidFill>
@@ -7450,7 +7450,7 @@
                 </a14:hiddenLine>
               </a:ext>
               <a:ext uri="{AF507438-7753-43e0-B8FC-AC1667EBCBE1}">
-                <a14:hiddenEffects xmlns:a14="http://schemas.microsoft.com/office/drawing/2010/main" xmlns="">
+                <a14:hiddenEffects xmlns="" xmlns:a14="http://schemas.microsoft.com/office/drawing/2010/main">
                   <a:effectLst>
                     <a:outerShdw blurRad="63500" dist="38099" dir="2700000" algn="ctr" rotWithShape="0">
                       <a:schemeClr val="bg2">
@@ -7495,7 +7495,7 @@
             <a:effectLst/>
             <a:extLst>
               <a:ext uri="{91240B29-F687-4f45-9708-019B960494DF}">
-                <a14:hiddenLine xmlns:a14="http://schemas.microsoft.com/office/drawing/2010/main" xmlns="" w="9525">
+                <a14:hiddenLine xmlns="" xmlns:a14="http://schemas.microsoft.com/office/drawing/2010/main" w="9525">
                   <a:solidFill>
                     <a:schemeClr val="tx1"/>
                   </a:solidFill>
@@ -7505,7 +7505,7 @@
                 </a14:hiddenLine>
               </a:ext>
               <a:ext uri="{AF507438-7753-43e0-B8FC-AC1667EBCBE1}">
-                <a14:hiddenEffects xmlns:a14="http://schemas.microsoft.com/office/drawing/2010/main" xmlns="">
+                <a14:hiddenEffects xmlns="" xmlns:a14="http://schemas.microsoft.com/office/drawing/2010/main">
                   <a:effectLst>
                     <a:outerShdw blurRad="63500" dist="38099" dir="2700000" algn="ctr" rotWithShape="0">
                       <a:schemeClr val="bg2">
@@ -7550,7 +7550,7 @@
             <a:effectLst/>
             <a:extLst>
               <a:ext uri="{91240B29-F687-4f45-9708-019B960494DF}">
-                <a14:hiddenLine xmlns:a14="http://schemas.microsoft.com/office/drawing/2010/main" xmlns="" w="9525">
+                <a14:hiddenLine xmlns="" xmlns:a14="http://schemas.microsoft.com/office/drawing/2010/main" w="9525">
                   <a:solidFill>
                     <a:schemeClr val="tx1"/>
                   </a:solidFill>
@@ -7560,7 +7560,7 @@
                 </a14:hiddenLine>
               </a:ext>
               <a:ext uri="{AF507438-7753-43e0-B8FC-AC1667EBCBE1}">
-                <a14:hiddenEffects xmlns:a14="http://schemas.microsoft.com/office/drawing/2010/main" xmlns="">
+                <a14:hiddenEffects xmlns="" xmlns:a14="http://schemas.microsoft.com/office/drawing/2010/main">
                   <a:effectLst>
                     <a:outerShdw blurRad="63500" dist="38099" dir="2700000" algn="ctr" rotWithShape="0">
                       <a:schemeClr val="bg2">
@@ -7605,7 +7605,7 @@
             <a:effectLst/>
             <a:extLst>
               <a:ext uri="{91240B29-F687-4f45-9708-019B960494DF}">
-                <a14:hiddenLine xmlns:a14="http://schemas.microsoft.com/office/drawing/2010/main" xmlns="" w="9525">
+                <a14:hiddenLine xmlns="" xmlns:a14="http://schemas.microsoft.com/office/drawing/2010/main" w="9525">
                   <a:solidFill>
                     <a:schemeClr val="tx1"/>
                   </a:solidFill>
@@ -7615,7 +7615,7 @@
                 </a14:hiddenLine>
               </a:ext>
               <a:ext uri="{AF507438-7753-43e0-B8FC-AC1667EBCBE1}">
-                <a14:hiddenEffects xmlns:a14="http://schemas.microsoft.com/office/drawing/2010/main" xmlns="">
+                <a14:hiddenEffects xmlns="" xmlns:a14="http://schemas.microsoft.com/office/drawing/2010/main">
                   <a:effectLst>
                     <a:outerShdw blurRad="63500" dist="38099" dir="2700000" algn="ctr" rotWithShape="0">
                       <a:schemeClr val="bg2">
@@ -7660,7 +7660,7 @@
             <a:effectLst/>
             <a:extLst>
               <a:ext uri="{91240B29-F687-4f45-9708-019B960494DF}">
-                <a14:hiddenLine xmlns:a14="http://schemas.microsoft.com/office/drawing/2010/main" xmlns="" w="9525">
+                <a14:hiddenLine xmlns="" xmlns:a14="http://schemas.microsoft.com/office/drawing/2010/main" w="9525">
                   <a:solidFill>
                     <a:schemeClr val="tx1"/>
                   </a:solidFill>
@@ -7670,7 +7670,7 @@
                 </a14:hiddenLine>
               </a:ext>
               <a:ext uri="{AF507438-7753-43e0-B8FC-AC1667EBCBE1}">
-                <a14:hiddenEffects xmlns:a14="http://schemas.microsoft.com/office/drawing/2010/main" xmlns="">
+                <a14:hiddenEffects xmlns="" xmlns:a14="http://schemas.microsoft.com/office/drawing/2010/main">
                   <a:effectLst>
                     <a:outerShdw blurRad="63500" dist="38099" dir="2700000" algn="ctr" rotWithShape="0">
                       <a:schemeClr val="bg2">
@@ -7715,7 +7715,7 @@
             <a:effectLst/>
             <a:extLst>
               <a:ext uri="{91240B29-F687-4f45-9708-019B960494DF}">
-                <a14:hiddenLine xmlns:a14="http://schemas.microsoft.com/office/drawing/2010/main" xmlns="" w="9525">
+                <a14:hiddenLine xmlns="" xmlns:a14="http://schemas.microsoft.com/office/drawing/2010/main" w="9525">
                   <a:solidFill>
                     <a:schemeClr val="tx1"/>
                   </a:solidFill>
@@ -7725,7 +7725,7 @@
                 </a14:hiddenLine>
               </a:ext>
               <a:ext uri="{AF507438-7753-43e0-B8FC-AC1667EBCBE1}">
-                <a14:hiddenEffects xmlns:a14="http://schemas.microsoft.com/office/drawing/2010/main" xmlns="">
+                <a14:hiddenEffects xmlns="" xmlns:a14="http://schemas.microsoft.com/office/drawing/2010/main">
                   <a:effectLst>
                     <a:outerShdw blurRad="63500" dist="38099" dir="2700000" algn="ctr" rotWithShape="0">
                       <a:schemeClr val="bg2">
@@ -7770,7 +7770,7 @@
             <a:effectLst/>
             <a:extLst>
               <a:ext uri="{91240B29-F687-4f45-9708-019B960494DF}">
-                <a14:hiddenLine xmlns:a14="http://schemas.microsoft.com/office/drawing/2010/main" xmlns="" w="9525">
+                <a14:hiddenLine xmlns="" xmlns:a14="http://schemas.microsoft.com/office/drawing/2010/main" w="9525">
                   <a:solidFill>
                     <a:schemeClr val="tx1"/>
                   </a:solidFill>
@@ -7780,7 +7780,7 @@
                 </a14:hiddenLine>
               </a:ext>
               <a:ext uri="{AF507438-7753-43e0-B8FC-AC1667EBCBE1}">
-                <a14:hiddenEffects xmlns:a14="http://schemas.microsoft.com/office/drawing/2010/main" xmlns="">
+                <a14:hiddenEffects xmlns="" xmlns:a14="http://schemas.microsoft.com/office/drawing/2010/main">
                   <a:effectLst>
                     <a:outerShdw blurRad="63500" dist="38099" dir="2700000" algn="ctr" rotWithShape="0">
                       <a:schemeClr val="bg2">
@@ -7825,7 +7825,7 @@
             <a:effectLst/>
             <a:extLst>
               <a:ext uri="{91240B29-F687-4f45-9708-019B960494DF}">
-                <a14:hiddenLine xmlns:a14="http://schemas.microsoft.com/office/drawing/2010/main" xmlns="" w="9525">
+                <a14:hiddenLine xmlns="" xmlns:a14="http://schemas.microsoft.com/office/drawing/2010/main" w="9525">
                   <a:solidFill>
                     <a:schemeClr val="tx1"/>
                   </a:solidFill>
@@ -7835,7 +7835,7 @@
                 </a14:hiddenLine>
               </a:ext>
               <a:ext uri="{AF507438-7753-43e0-B8FC-AC1667EBCBE1}">
-                <a14:hiddenEffects xmlns:a14="http://schemas.microsoft.com/office/drawing/2010/main" xmlns="">
+                <a14:hiddenEffects xmlns="" xmlns:a14="http://schemas.microsoft.com/office/drawing/2010/main">
                   <a:effectLst>
                     <a:outerShdw blurRad="63500" dist="38099" dir="2700000" algn="ctr" rotWithShape="0">
                       <a:schemeClr val="bg2">
@@ -7880,7 +7880,7 @@
             <a:effectLst/>
             <a:extLst>
               <a:ext uri="{91240B29-F687-4f45-9708-019B960494DF}">
-                <a14:hiddenLine xmlns:a14="http://schemas.microsoft.com/office/drawing/2010/main" xmlns="" w="9525">
+                <a14:hiddenLine xmlns="" xmlns:a14="http://schemas.microsoft.com/office/drawing/2010/main" w="9525">
                   <a:solidFill>
                     <a:schemeClr val="tx1"/>
                   </a:solidFill>
@@ -7890,7 +7890,7 @@
                 </a14:hiddenLine>
               </a:ext>
               <a:ext uri="{AF507438-7753-43e0-B8FC-AC1667EBCBE1}">
-                <a14:hiddenEffects xmlns:a14="http://schemas.microsoft.com/office/drawing/2010/main" xmlns="">
+                <a14:hiddenEffects xmlns="" xmlns:a14="http://schemas.microsoft.com/office/drawing/2010/main">
                   <a:effectLst>
                     <a:outerShdw blurRad="63500" dist="38099" dir="2700000" algn="ctr" rotWithShape="0">
                       <a:schemeClr val="bg2">
@@ -7935,7 +7935,7 @@
             <a:effectLst/>
             <a:extLst>
               <a:ext uri="{91240B29-F687-4f45-9708-019B960494DF}">
-                <a14:hiddenLine xmlns:a14="http://schemas.microsoft.com/office/drawing/2010/main" xmlns="" w="9525">
+                <a14:hiddenLine xmlns="" xmlns:a14="http://schemas.microsoft.com/office/drawing/2010/main" w="9525">
                   <a:solidFill>
                     <a:schemeClr val="tx1"/>
                   </a:solidFill>
@@ -7945,7 +7945,7 @@
                 </a14:hiddenLine>
               </a:ext>
               <a:ext uri="{AF507438-7753-43e0-B8FC-AC1667EBCBE1}">
-                <a14:hiddenEffects xmlns:a14="http://schemas.microsoft.com/office/drawing/2010/main" xmlns="">
+                <a14:hiddenEffects xmlns="" xmlns:a14="http://schemas.microsoft.com/office/drawing/2010/main">
                   <a:effectLst>
                     <a:outerShdw blurRad="63500" dist="38099" dir="2700000" algn="ctr" rotWithShape="0">
                       <a:schemeClr val="bg2">
@@ -7990,7 +7990,7 @@
             <a:effectLst/>
             <a:extLst>
               <a:ext uri="{91240B29-F687-4f45-9708-019B960494DF}">
-                <a14:hiddenLine xmlns:a14="http://schemas.microsoft.com/office/drawing/2010/main" xmlns="" w="9525">
+                <a14:hiddenLine xmlns="" xmlns:a14="http://schemas.microsoft.com/office/drawing/2010/main" w="9525">
                   <a:solidFill>
                     <a:schemeClr val="tx1"/>
                   </a:solidFill>
@@ -8000,7 +8000,7 @@
                 </a14:hiddenLine>
               </a:ext>
               <a:ext uri="{AF507438-7753-43e0-B8FC-AC1667EBCBE1}">
-                <a14:hiddenEffects xmlns:a14="http://schemas.microsoft.com/office/drawing/2010/main" xmlns="">
+                <a14:hiddenEffects xmlns="" xmlns:a14="http://schemas.microsoft.com/office/drawing/2010/main">
                   <a:effectLst>
                     <a:outerShdw blurRad="63500" dist="38099" dir="2700000" algn="ctr" rotWithShape="0">
                       <a:schemeClr val="bg2">
@@ -8045,7 +8045,7 @@
             <a:effectLst/>
             <a:extLst>
               <a:ext uri="{91240B29-F687-4f45-9708-019B960494DF}">
-                <a14:hiddenLine xmlns:a14="http://schemas.microsoft.com/office/drawing/2010/main" xmlns="" w="9525">
+                <a14:hiddenLine xmlns="" xmlns:a14="http://schemas.microsoft.com/office/drawing/2010/main" w="9525">
                   <a:solidFill>
                     <a:schemeClr val="tx1"/>
                   </a:solidFill>
@@ -8055,7 +8055,7 @@
                 </a14:hiddenLine>
               </a:ext>
               <a:ext uri="{AF507438-7753-43e0-B8FC-AC1667EBCBE1}">
-                <a14:hiddenEffects xmlns:a14="http://schemas.microsoft.com/office/drawing/2010/main" xmlns="">
+                <a14:hiddenEffects xmlns="" xmlns:a14="http://schemas.microsoft.com/office/drawing/2010/main">
                   <a:effectLst>
                     <a:outerShdw blurRad="63500" dist="38099" dir="2700000" algn="ctr" rotWithShape="0">
                       <a:schemeClr val="bg2">
@@ -13377,7 +13377,7 @@
           <a:effectLst/>
           <a:extLst>
             <a:ext uri="{AF507438-7753-43e0-B8FC-AC1667EBCBE1}">
-              <a14:hiddenEffects xmlns:a14="http://schemas.microsoft.com/office/drawing/2010/main" xmlns="">
+              <a14:hiddenEffects xmlns="" xmlns:a14="http://schemas.microsoft.com/office/drawing/2010/main">
                 <a:effectLst>
                   <a:outerShdw blurRad="63500" dist="38099" dir="2700000" algn="ctr" rotWithShape="0">
                     <a:schemeClr val="bg2">
@@ -13501,7 +13501,7 @@
           <a:effectLst/>
           <a:extLst>
             <a:ext uri="{AF507438-7753-43e0-B8FC-AC1667EBCBE1}">
-              <a14:hiddenEffects xmlns:a14="http://schemas.microsoft.com/office/drawing/2010/main" xmlns="">
+              <a14:hiddenEffects xmlns="" xmlns:a14="http://schemas.microsoft.com/office/drawing/2010/main">
                 <a:effectLst>
                   <a:outerShdw blurRad="63500" dist="38099" dir="2700000" algn="ctr" rotWithShape="0">
                     <a:schemeClr val="bg2">
@@ -17880,21 +17880,29 @@
             </a:pPr>
             <a:r>
               <a:rPr lang="en-US" sz="2600" dirty="0"/>
-              <a:t>In this way ASTs are the IR of choice because it </a:t>
-            </a:r>
-            <a:r>
-              <a:rPr lang="en-US" sz="2600" dirty="0" err="1"/>
+              <a:t>In this way ASTs are the IR of choice because </a:t>
+            </a:r>
+            <a:r>
+              <a:rPr lang="en-US" sz="2600"/>
+              <a:t>it </a:t>
+            </a:r>
+            <a:r>
+              <a:rPr lang="en-US" sz="2600" smtClean="0"/>
               <a:t>doesn</a:t>
             </a:r>
             <a:r>
-              <a:rPr lang="ja-JP" altLang="en-US" sz="2600" dirty="0">
+              <a:rPr lang="en-US" sz="2600" smtClean="0">
                 <a:latin typeface="Arial"/>
               </a:rPr>
               <a:t>’</a:t>
             </a:r>
             <a:r>
+              <a:rPr lang="en-US" sz="2600" smtClean="0"/>
+              <a:t>t </a:t>
+            </a:r>
+            <a:r>
               <a:rPr lang="en-US" sz="2600" dirty="0"/>
-              <a:t>t matter how complex the input language, there will always be an AST representation.</a:t>
+              <a:t>matter how complex the input language, there will always be an AST representation.</a:t>
             </a:r>
           </a:p>
           <a:p>
@@ -18233,7 +18241,7 @@
           </a:ln>
           <a:extLst>
             <a:ext uri="{909E8E84-426E-40dd-AFC4-6F175D3DCCD1}">
-              <a14:hiddenFill xmlns:a14="http://schemas.microsoft.com/office/drawing/2010/main" xmlns="">
+              <a14:hiddenFill xmlns="" xmlns:a14="http://schemas.microsoft.com/office/drawing/2010/main">
                 <a:solidFill>
                   <a:schemeClr val="accent1"/>
                 </a:solidFill>
@@ -18337,7 +18345,7 @@
             </a:ln>
             <a:extLst>
               <a:ext uri="{909E8E84-426E-40dd-AFC4-6F175D3DCCD1}">
-                <a14:hiddenFill xmlns:a14="http://schemas.microsoft.com/office/drawing/2010/main" xmlns="">
+                <a14:hiddenFill xmlns="" xmlns:a14="http://schemas.microsoft.com/office/drawing/2010/main">
                   <a:solidFill>
                     <a:schemeClr val="accent1"/>
                   </a:solidFill>
@@ -18469,7 +18477,7 @@
           </a:ln>
           <a:extLst>
             <a:ext uri="{909E8E84-426E-40dd-AFC4-6F175D3DCCD1}">
-              <a14:hiddenFill xmlns:a14="http://schemas.microsoft.com/office/drawing/2010/main" xmlns="">
+              <a14:hiddenFill xmlns="" xmlns:a14="http://schemas.microsoft.com/office/drawing/2010/main">
                 <a:solidFill>
                   <a:schemeClr val="accent1"/>
                 </a:solidFill>
@@ -19462,7 +19470,7 @@
           <a:effectLst/>
           <a:extLst>
             <a:ext uri="{AF507438-7753-43e0-B8FC-AC1667EBCBE1}">
-              <a14:hiddenEffects xmlns:a14="http://schemas.microsoft.com/office/drawing/2010/main" xmlns="">
+              <a14:hiddenEffects xmlns="" xmlns:a14="http://schemas.microsoft.com/office/drawing/2010/main">
                 <a:effectLst>
                   <a:outerShdw blurRad="63500" dist="38099" dir="2700000" algn="ctr" rotWithShape="0">
                     <a:schemeClr val="bg2">
@@ -20106,7 +20114,7 @@
           <a:effectLst/>
           <a:extLst>
             <a:ext uri="{AF507438-7753-43e0-B8FC-AC1667EBCBE1}">
-              <a14:hiddenEffects xmlns:a14="http://schemas.microsoft.com/office/drawing/2010/main" xmlns="">
+              <a14:hiddenEffects xmlns="" xmlns:a14="http://schemas.microsoft.com/office/drawing/2010/main">
                 <a:effectLst>
                   <a:outerShdw blurRad="63500" dist="38099" dir="2700000" algn="ctr" rotWithShape="0">
                     <a:schemeClr val="bg2">
@@ -20341,7 +20349,7 @@
           <a:effectLst/>
           <a:extLst>
             <a:ext uri="{AF507438-7753-43e0-B8FC-AC1667EBCBE1}">
-              <a14:hiddenEffects xmlns:a14="http://schemas.microsoft.com/office/drawing/2010/main" xmlns="">
+              <a14:hiddenEffects xmlns="" xmlns:a14="http://schemas.microsoft.com/office/drawing/2010/main">
                 <a:effectLst>
                   <a:outerShdw blurRad="63500" dist="38099" dir="2700000" algn="ctr" rotWithShape="0">
                     <a:schemeClr val="bg2">
@@ -20421,7 +20429,7 @@
           <a:effectLst/>
           <a:extLst>
             <a:ext uri="{AF507438-7753-43e0-B8FC-AC1667EBCBE1}">
-              <a14:hiddenEffects xmlns:a14="http://schemas.microsoft.com/office/drawing/2010/main" xmlns="">
+              <a14:hiddenEffects xmlns="" xmlns:a14="http://schemas.microsoft.com/office/drawing/2010/main">
                 <a:effectLst>
                   <a:outerShdw blurRad="63500" dist="38099" dir="2700000" algn="ctr" rotWithShape="0">
                     <a:schemeClr val="bg2">
@@ -20812,7 +20820,7 @@
           <a:effectLst/>
           <a:extLst>
             <a:ext uri="{AF507438-7753-43e0-B8FC-AC1667EBCBE1}">
-              <a14:hiddenEffects xmlns:a14="http://schemas.microsoft.com/office/drawing/2010/main" xmlns="">
+              <a14:hiddenEffects xmlns="" xmlns:a14="http://schemas.microsoft.com/office/drawing/2010/main">
                 <a:effectLst>
                   <a:outerShdw blurRad="63500" dist="38099" dir="2700000" algn="ctr" rotWithShape="0">
                     <a:schemeClr val="bg2">
@@ -21102,7 +21110,7 @@
           <a:effectLst/>
           <a:extLst>
             <a:ext uri="{AF507438-7753-43e0-B8FC-AC1667EBCBE1}">
-              <a14:hiddenEffects xmlns:a14="http://schemas.microsoft.com/office/drawing/2010/main" xmlns="">
+              <a14:hiddenEffects xmlns="" xmlns:a14="http://schemas.microsoft.com/office/drawing/2010/main">
                 <a:effectLst>
                   <a:outerShdw blurRad="63500" dist="38099" dir="2700000" algn="ctr" rotWithShape="0">
                     <a:schemeClr val="bg2">
@@ -21949,7 +21957,7 @@
           <a:effectLst/>
           <a:extLst>
             <a:ext uri="{AF507438-7753-43e0-B8FC-AC1667EBCBE1}">
-              <a14:hiddenEffects xmlns:a14="http://schemas.microsoft.com/office/drawing/2010/main" xmlns="">
+              <a14:hiddenEffects xmlns="" xmlns:a14="http://schemas.microsoft.com/office/drawing/2010/main">
                 <a:effectLst>
                   <a:outerShdw blurRad="63500" dist="38099" dir="2700000" algn="ctr" rotWithShape="0">
                     <a:schemeClr val="bg2">
@@ -27215,7 +27223,7 @@
         <a:effectLst/>
         <a:extLst>
           <a:ext uri="{AF507438-7753-43e0-B8FC-AC1667EBCBE1}">
-            <a14:hiddenEffects xmlns:a14="http://schemas.microsoft.com/office/drawing/2010/main" xmlns="">
+            <a14:hiddenEffects xmlns="" xmlns:a14="http://schemas.microsoft.com/office/drawing/2010/main">
               <a:effectLst>
                 <a:outerShdw blurRad="63500" dist="38099" dir="2700000" algn="ctr" rotWithShape="0">
                   <a:schemeClr val="bg2">
@@ -27292,7 +27300,7 @@
         <a:effectLst/>
         <a:extLst>
           <a:ext uri="{AF507438-7753-43e0-B8FC-AC1667EBCBE1}">
-            <a14:hiddenEffects xmlns:a14="http://schemas.microsoft.com/office/drawing/2010/main" xmlns="">
+            <a14:hiddenEffects xmlns="" xmlns:a14="http://schemas.microsoft.com/office/drawing/2010/main">
               <a:effectLst>
                 <a:outerShdw blurRad="63500" dist="38099" dir="2700000" algn="ctr" rotWithShape="0">
                   <a:schemeClr val="bg2">

--- a/csc402-ln006.pptx
+++ b/csc402-ln006.pptx
@@ -13561,7 +13561,7 @@
         <p:spPr>
           <a:xfrm>
             <a:off x="3568700" y="2349500"/>
-            <a:ext cx="3028137" cy="307777"/>
+            <a:ext cx="3226909" cy="307777"/>
           </a:xfrm>
           <a:prstGeom prst="rect">
             <a:avLst/>
@@ -13576,7 +13576,19 @@
           <a:p>
             <a:r>
               <a:rPr lang="en-US" dirty="0" smtClean="0"/>
-              <a:t>Save the construct AST in the state!</a:t>
+              <a:t>Save </a:t>
+            </a:r>
+            <a:r>
+              <a:rPr lang="en-US" smtClean="0"/>
+              <a:t>the </a:t>
+            </a:r>
+            <a:r>
+              <a:rPr lang="en-US" smtClean="0"/>
+              <a:t>constructed </a:t>
+            </a:r>
+            <a:r>
+              <a:rPr lang="en-US" dirty="0" smtClean="0"/>
+              <a:t>AST in the state!</a:t>
             </a:r>
             <a:endParaRPr lang="en-US" dirty="0"/>
           </a:p>
@@ -17880,24 +17892,20 @@
             </a:pPr>
             <a:r>
               <a:rPr lang="en-US" sz="2600" dirty="0"/>
-              <a:t>In this way ASTs are the IR of choice because </a:t>
-            </a:r>
-            <a:r>
-              <a:rPr lang="en-US" sz="2600"/>
-              <a:t>it </a:t>
-            </a:r>
-            <a:r>
-              <a:rPr lang="en-US" sz="2600" smtClean="0"/>
+              <a:t>In this way ASTs are the IR of choice because it </a:t>
+            </a:r>
+            <a:r>
+              <a:rPr lang="en-US" sz="2600" dirty="0" smtClean="0"/>
               <a:t>doesn</a:t>
             </a:r>
             <a:r>
-              <a:rPr lang="en-US" sz="2600" smtClean="0">
+              <a:rPr lang="en-US" sz="2600" dirty="0" smtClean="0">
                 <a:latin typeface="Arial"/>
               </a:rPr>
               <a:t>’</a:t>
             </a:r>
             <a:r>
-              <a:rPr lang="en-US" sz="2600" smtClean="0"/>
+              <a:rPr lang="en-US" sz="2600" dirty="0" smtClean="0"/>
               <a:t>t </a:t>
             </a:r>
             <a:r>
@@ -21218,6 +21226,13 @@
   <p:clrMapOvr>
     <a:masterClrMapping/>
   </p:clrMapOvr>
+  <p:timing>
+    <p:tnLst>
+      <p:par>
+        <p:cTn id="1" dur="indefinite" restart="never" nodeType="tmRoot"/>
+      </p:par>
+    </p:tnLst>
+  </p:timing>
 </p:sld>
 </file>
 
